--- a/Tri_Training_Zhou_Li_2005.pptx
+++ b/Tri_Training_Zhou_Li_2005.pptx
@@ -15,16 +15,17 @@
     <p:sldId id="278" r:id="rId9"/>
     <p:sldId id="267" r:id="rId10"/>
     <p:sldId id="270" r:id="rId11"/>
-    <p:sldId id="262" r:id="rId12"/>
-    <p:sldId id="271" r:id="rId13"/>
-    <p:sldId id="264" r:id="rId14"/>
-    <p:sldId id="277" r:id="rId15"/>
-    <p:sldId id="276" r:id="rId16"/>
-    <p:sldId id="273" r:id="rId17"/>
-    <p:sldId id="274" r:id="rId18"/>
-    <p:sldId id="275" r:id="rId19"/>
-    <p:sldId id="266" r:id="rId20"/>
-    <p:sldId id="269" r:id="rId21"/>
+    <p:sldId id="279" r:id="rId12"/>
+    <p:sldId id="262" r:id="rId13"/>
+    <p:sldId id="271" r:id="rId14"/>
+    <p:sldId id="264" r:id="rId15"/>
+    <p:sldId id="277" r:id="rId16"/>
+    <p:sldId id="276" r:id="rId17"/>
+    <p:sldId id="273" r:id="rId18"/>
+    <p:sldId id="274" r:id="rId19"/>
+    <p:sldId id="275" r:id="rId20"/>
+    <p:sldId id="266" r:id="rId21"/>
+    <p:sldId id="269" r:id="rId22"/>
   </p:sldIdLst>
   <p:sldSz cx="12192000" cy="6858000"/>
   <p:notesSz cx="6858000" cy="9144000"/>
@@ -278,7 +279,7 @@
           <a:p>
             <a:fld id="{DED843FB-2CC0-4062-97D3-3E7E82E87DD4}" type="datetimeFigureOut">
               <a:rPr lang="en-US" smtClean="0"/>
-              <a:t>5/7/2019</a:t>
+              <a:t>5/14/2019</a:t>
             </a:fld>
             <a:endParaRPr lang="en-US"/>
           </a:p>
@@ -476,7 +477,7 @@
           <a:p>
             <a:fld id="{DED843FB-2CC0-4062-97D3-3E7E82E87DD4}" type="datetimeFigureOut">
               <a:rPr lang="en-US" smtClean="0"/>
-              <a:t>5/7/2019</a:t>
+              <a:t>5/14/2019</a:t>
             </a:fld>
             <a:endParaRPr lang="en-US"/>
           </a:p>
@@ -684,7 +685,7 @@
           <a:p>
             <a:fld id="{DED843FB-2CC0-4062-97D3-3E7E82E87DD4}" type="datetimeFigureOut">
               <a:rPr lang="en-US" smtClean="0"/>
-              <a:t>5/7/2019</a:t>
+              <a:t>5/14/2019</a:t>
             </a:fld>
             <a:endParaRPr lang="en-US"/>
           </a:p>
@@ -882,7 +883,7 @@
           <a:p>
             <a:fld id="{DED843FB-2CC0-4062-97D3-3E7E82E87DD4}" type="datetimeFigureOut">
               <a:rPr lang="en-US" smtClean="0"/>
-              <a:t>5/7/2019</a:t>
+              <a:t>5/14/2019</a:t>
             </a:fld>
             <a:endParaRPr lang="en-US"/>
           </a:p>
@@ -1157,7 +1158,7 @@
           <a:p>
             <a:fld id="{DED843FB-2CC0-4062-97D3-3E7E82E87DD4}" type="datetimeFigureOut">
               <a:rPr lang="en-US" smtClean="0"/>
-              <a:t>5/7/2019</a:t>
+              <a:t>5/14/2019</a:t>
             </a:fld>
             <a:endParaRPr lang="en-US"/>
           </a:p>
@@ -1422,7 +1423,7 @@
           <a:p>
             <a:fld id="{DED843FB-2CC0-4062-97D3-3E7E82E87DD4}" type="datetimeFigureOut">
               <a:rPr lang="en-US" smtClean="0"/>
-              <a:t>5/7/2019</a:t>
+              <a:t>5/14/2019</a:t>
             </a:fld>
             <a:endParaRPr lang="en-US"/>
           </a:p>
@@ -1834,7 +1835,7 @@
           <a:p>
             <a:fld id="{DED843FB-2CC0-4062-97D3-3E7E82E87DD4}" type="datetimeFigureOut">
               <a:rPr lang="en-US" smtClean="0"/>
-              <a:t>5/7/2019</a:t>
+              <a:t>5/14/2019</a:t>
             </a:fld>
             <a:endParaRPr lang="en-US"/>
           </a:p>
@@ -1975,7 +1976,7 @@
           <a:p>
             <a:fld id="{DED843FB-2CC0-4062-97D3-3E7E82E87DD4}" type="datetimeFigureOut">
               <a:rPr lang="en-US" smtClean="0"/>
-              <a:t>5/7/2019</a:t>
+              <a:t>5/14/2019</a:t>
             </a:fld>
             <a:endParaRPr lang="en-US"/>
           </a:p>
@@ -2088,7 +2089,7 @@
           <a:p>
             <a:fld id="{DED843FB-2CC0-4062-97D3-3E7E82E87DD4}" type="datetimeFigureOut">
               <a:rPr lang="en-US" smtClean="0"/>
-              <a:t>5/7/2019</a:t>
+              <a:t>5/14/2019</a:t>
             </a:fld>
             <a:endParaRPr lang="en-US"/>
           </a:p>
@@ -2399,7 +2400,7 @@
           <a:p>
             <a:fld id="{DED843FB-2CC0-4062-97D3-3E7E82E87DD4}" type="datetimeFigureOut">
               <a:rPr lang="en-US" smtClean="0"/>
-              <a:t>5/7/2019</a:t>
+              <a:t>5/14/2019</a:t>
             </a:fld>
             <a:endParaRPr lang="en-US"/>
           </a:p>
@@ -2687,7 +2688,7 @@
           <a:p>
             <a:fld id="{DED843FB-2CC0-4062-97D3-3E7E82E87DD4}" type="datetimeFigureOut">
               <a:rPr lang="en-US" smtClean="0"/>
-              <a:t>5/7/2019</a:t>
+              <a:t>5/14/2019</a:t>
             </a:fld>
             <a:endParaRPr lang="en-US"/>
           </a:p>
@@ -2928,7 +2929,7 @@
           <a:p>
             <a:fld id="{DED843FB-2CC0-4062-97D3-3E7E82E87DD4}" type="datetimeFigureOut">
               <a:rPr lang="en-US" smtClean="0"/>
-              <a:t>5/7/2019</a:t>
+              <a:t>5/14/2019</a:t>
             </a:fld>
             <a:endParaRPr lang="en-US"/>
           </a:p>
@@ -3378,8 +3379,8 @@
           </a:p>
         </p:txBody>
       </p:sp>
-      <mc:AlternateContent xmlns:mc="http://schemas.openxmlformats.org/markup-compatibility/2006" xmlns:a14="http://schemas.microsoft.com/office/drawing/2010/main">
-        <mc:Choice Requires="a14">
+      <mc:AlternateContent xmlns:mc="http://schemas.openxmlformats.org/markup-compatibility/2006">
+        <mc:Choice xmlns:a14="http://schemas.microsoft.com/office/drawing/2010/main" Requires="a14">
           <p:sp>
             <p:nvSpPr>
               <p:cNvPr id="3" name="Subtitle 2">
@@ -3398,8 +3399,8 @@
             </p:nvSpPr>
             <p:spPr>
               <a:xfrm>
-                <a:off x="1180011" y="2107382"/>
-                <a:ext cx="9831977" cy="3035030"/>
+                <a:off x="1180011" y="2175718"/>
+                <a:ext cx="9831977" cy="523221"/>
               </a:xfrm>
             </p:spPr>
             <p:txBody>
@@ -3408,10 +3409,6 @@
               </a:bodyPr>
               <a:lstStyle/>
               <a:p>
-                <a:endParaRPr lang="en-US" dirty="0"/>
-              </a:p>
-              <a:p>
-                <a:pPr/>
                 <a14:m>
                   <m:oMathPara xmlns:m="http://schemas.openxmlformats.org/officeDocument/2006/math">
                     <m:oMathParaPr>
@@ -3512,63 +3509,10 @@
                 </a14:m>
                 <a:endParaRPr lang="en-US" sz="2600" dirty="0"/>
               </a:p>
-              <a:p>
-                <a:r>
-                  <a:rPr lang="en-US" sz="2600" dirty="0"/>
-                  <a:t>Prepared for </a:t>
-                </a:r>
-                <a:r>
-                  <a:rPr lang="en-US" sz="2600" dirty="0" err="1"/>
-                  <a:t>Metrowest</a:t>
-                </a:r>
-                <a:r>
-                  <a:rPr lang="en-US" sz="2600" dirty="0"/>
-                  <a:t> Boston Machine Learning Meetup</a:t>
-                </a:r>
-              </a:p>
-              <a:p>
-                <a:endParaRPr lang="en-US" sz="2600" dirty="0"/>
-              </a:p>
-              <a:p>
-                <a:r>
-                  <a:rPr lang="en-US" sz="2600" dirty="0"/>
-                  <a:t>Chris Winsor</a:t>
-                </a:r>
-              </a:p>
-              <a:p>
-                <a:r>
-                  <a:rPr lang="en-US" sz="2600" dirty="0"/>
-                  <a:t>5/15/2019</a:t>
-                </a:r>
-              </a:p>
-              <a:p>
-                <a:endParaRPr lang="en-US" dirty="0"/>
-              </a:p>
-              <a:p>
-                <a:endParaRPr lang="en-US" dirty="0"/>
-              </a:p>
-              <a:p>
-                <a:endParaRPr lang="en-US" dirty="0"/>
-              </a:p>
-              <a:p>
-                <a:endParaRPr lang="en-US" dirty="0"/>
-              </a:p>
-              <a:p>
-                <a:endParaRPr lang="en-US" dirty="0"/>
-              </a:p>
-              <a:p>
-                <a:endParaRPr lang="en-US" dirty="0"/>
-              </a:p>
-              <a:p>
-                <a:endParaRPr lang="en-US" dirty="0"/>
-              </a:p>
-              <a:p>
-                <a:endParaRPr lang="en-US" dirty="0"/>
-              </a:p>
             </p:txBody>
           </p:sp>
         </mc:Choice>
-        <mc:Fallback xmlns="">
+        <mc:Fallback>
           <p:sp>
             <p:nvSpPr>
               <p:cNvPr id="3" name="Subtitle 2">
@@ -3587,13 +3531,13 @@
             </p:nvSpPr>
             <p:spPr>
               <a:xfrm>
-                <a:off x="1180011" y="2107382"/>
-                <a:ext cx="9831977" cy="3035030"/>
+                <a:off x="1180011" y="2175718"/>
+                <a:ext cx="9831977" cy="523221"/>
               </a:xfrm>
               <a:blipFill>
                 <a:blip r:embed="rId2"/>
                 <a:stretch>
-                  <a:fillRect/>
+                  <a:fillRect t="-3488" b="-1163"/>
                 </a:stretch>
               </a:blipFill>
             </p:spPr>
@@ -3642,6 +3586,67 @@
             <a:r>
               <a:rPr lang="en-US" sz="1400" dirty="0"/>
               <a:t>[1] Z. Zhou and M. Li, "Tri-Training: Exploiting Unlabeled Data Using Three Classifiers" in IEEE Transactions on Knowledge &amp; Data Engineering, vol. 17, no. 11, pp. 1529-1541, 2005.</a:t>
+            </a:r>
+          </a:p>
+        </p:txBody>
+      </p:sp>
+      <p:sp>
+        <p:nvSpPr>
+          <p:cNvPr id="4" name="Rectangle 3">
+            <a:extLst>
+              <a:ext uri="{FF2B5EF4-FFF2-40B4-BE49-F238E27FC236}">
+                <a16:creationId xmlns:a16="http://schemas.microsoft.com/office/drawing/2014/main" id="{BF70E0C9-6BA3-49DA-972A-5A4BF5BD7B08}"/>
+              </a:ext>
+            </a:extLst>
+          </p:cNvPr>
+          <p:cNvSpPr/>
+          <p:nvPr/>
+        </p:nvSpPr>
+        <p:spPr>
+          <a:xfrm>
+            <a:off x="1112194" y="3100680"/>
+            <a:ext cx="10380722" cy="1200329"/>
+          </a:xfrm>
+          <a:prstGeom prst="rect">
+            <a:avLst/>
+          </a:prstGeom>
+        </p:spPr>
+        <p:txBody>
+          <a:bodyPr wrap="square">
+            <a:spAutoFit/>
+          </a:bodyPr>
+          <a:lstStyle/>
+          <a:p>
+            <a:pPr algn="ctr"/>
+            <a:r>
+              <a:rPr lang="en-US" dirty="0"/>
+              <a:t>Prepared for </a:t>
+            </a:r>
+            <a:r>
+              <a:rPr lang="en-US" dirty="0" err="1"/>
+              <a:t>Metrowest</a:t>
+            </a:r>
+            <a:r>
+              <a:rPr lang="en-US" dirty="0"/>
+              <a:t> Boston Machine Learning Meetup</a:t>
+            </a:r>
+          </a:p>
+          <a:p>
+            <a:pPr algn="ctr"/>
+            <a:endParaRPr lang="en-US" dirty="0"/>
+          </a:p>
+          <a:p>
+            <a:pPr algn="ctr"/>
+            <a:r>
+              <a:rPr lang="en-US" dirty="0"/>
+              <a:t>Chris Winsor</a:t>
+            </a:r>
+          </a:p>
+          <a:p>
+            <a:pPr algn="ctr"/>
+            <a:r>
+              <a:rPr lang="en-US" dirty="0"/>
+              <a:t>5/15/2019</a:t>
             </a:r>
           </a:p>
         </p:txBody>
@@ -4224,7 +4229,7 @@
           <p:cNvPr id="2" name="Title 1">
             <a:extLst>
               <a:ext uri="{FF2B5EF4-FFF2-40B4-BE49-F238E27FC236}">
-                <a16:creationId xmlns:a16="http://schemas.microsoft.com/office/drawing/2014/main" id="{C2CECEB8-B793-475A-B5C9-E0A1377DC9AB}"/>
+                <a16:creationId xmlns:a16="http://schemas.microsoft.com/office/drawing/2014/main" id="{0F83C7AD-B16A-48FA-9FF8-FCEEAEE61B68}"/>
               </a:ext>
             </a:extLst>
           </p:cNvPr>
@@ -4235,30 +4240,15 @@
             <p:ph type="title"/>
           </p:nvPr>
         </p:nvSpPr>
-        <p:spPr>
-          <a:xfrm>
-            <a:off x="838200" y="223838"/>
-            <a:ext cx="10515600" cy="1062038"/>
-          </a:xfrm>
-        </p:spPr>
-        <p:txBody>
-          <a:bodyPr>
-            <a:normAutofit fontScale="90000"/>
-          </a:bodyPr>
+        <p:spPr/>
+        <p:txBody>
+          <a:bodyPr/>
           <a:lstStyle/>
           <a:p>
             <a:r>
               <a:rPr lang="en-US" dirty="0"/>
-              <a:t>Tri-Training Equations 1..11</a:t>
-            </a:r>
-            <a:br>
-              <a:rPr lang="en-US" dirty="0"/>
-            </a:br>
-            <a:r>
-              <a:rPr lang="en-US" sz="3600" dirty="0"/>
-              <a:t>When can a set of newly labeled examples be used?</a:t>
-            </a:r>
-            <a:endParaRPr lang="en-US" dirty="0"/>
+              <a:t>Equations 1.11 and Code Walk-through</a:t>
+            </a:r>
           </a:p>
         </p:txBody>
       </p:sp>
@@ -4267,7 +4257,7 @@
           <p:cNvPr id="6" name="Picture 5">
             <a:extLst>
               <a:ext uri="{FF2B5EF4-FFF2-40B4-BE49-F238E27FC236}">
-                <a16:creationId xmlns:a16="http://schemas.microsoft.com/office/drawing/2014/main" id="{3ED62E13-AC40-4E44-9057-D81A1CA4C8A6}"/>
+                <a16:creationId xmlns:a16="http://schemas.microsoft.com/office/drawing/2014/main" id="{A27CDE19-E94F-41C0-9A01-5A59B2E78F7E}"/>
               </a:ext>
             </a:extLst>
           </p:cNvPr>
@@ -4284,8 +4274,8 @@
         </p:blipFill>
         <p:spPr>
           <a:xfrm>
-            <a:off x="1643062" y="1285876"/>
-            <a:ext cx="8905875" cy="5095875"/>
+            <a:off x="2677885" y="1415761"/>
+            <a:ext cx="6307105" cy="5143659"/>
           </a:xfrm>
           <a:prstGeom prst="rect">
             <a:avLst/>
@@ -4295,7 +4285,7 @@
     </p:spTree>
     <p:extLst>
       <p:ext uri="{BB962C8B-B14F-4D97-AF65-F5344CB8AC3E}">
-        <p14:creationId xmlns:p14="http://schemas.microsoft.com/office/powerpoint/2010/main" val="228888869"/>
+        <p14:creationId xmlns:p14="http://schemas.microsoft.com/office/powerpoint/2010/main" val="2043730117"/>
       </p:ext>
     </p:extLst>
   </p:cSld>
@@ -4324,45 +4314,46 @@
       </p:grpSpPr>
       <p:sp>
         <p:nvSpPr>
-          <p:cNvPr id="4" name="TextBox 3">
-            <a:extLst>
-              <a:ext uri="{FF2B5EF4-FFF2-40B4-BE49-F238E27FC236}">
-                <a16:creationId xmlns:a16="http://schemas.microsoft.com/office/drawing/2014/main" id="{DE6B6B06-533C-4756-B34D-AB4185E24F03}"/>
-              </a:ext>
-            </a:extLst>
-          </p:cNvPr>
-          <p:cNvSpPr txBox="1"/>
-          <p:nvPr/>
-        </p:nvSpPr>
-        <p:spPr>
-          <a:xfrm>
-            <a:off x="3354512" y="578649"/>
-            <a:ext cx="5482976" cy="461665"/>
-          </a:xfrm>
-          <a:prstGeom prst="rect">
-            <a:avLst/>
-          </a:prstGeom>
-          <a:noFill/>
-        </p:spPr>
-        <p:txBody>
-          <a:bodyPr wrap="none" rtlCol="0">
-            <a:spAutoFit/>
+          <p:cNvPr id="2" name="Title 1">
+            <a:extLst>
+              <a:ext uri="{FF2B5EF4-FFF2-40B4-BE49-F238E27FC236}">
+                <a16:creationId xmlns:a16="http://schemas.microsoft.com/office/drawing/2014/main" id="{C2CECEB8-B793-475A-B5C9-E0A1377DC9AB}"/>
+              </a:ext>
+            </a:extLst>
+          </p:cNvPr>
+          <p:cNvSpPr>
+            <a:spLocks noGrp="1"/>
+          </p:cNvSpPr>
+          <p:nvPr>
+            <p:ph type="title"/>
+          </p:nvPr>
+        </p:nvSpPr>
+        <p:spPr>
+          <a:xfrm>
+            <a:off x="838200" y="223838"/>
+            <a:ext cx="10515600" cy="1062038"/>
+          </a:xfrm>
+        </p:spPr>
+        <p:txBody>
+          <a:bodyPr>
+            <a:normAutofit/>
           </a:bodyPr>
           <a:lstStyle/>
           <a:p>
             <a:r>
-              <a:rPr lang="en-US" sz="2400" dirty="0"/>
-              <a:t>Tri-Training Pseudo-Code (priming section)</a:t>
-            </a:r>
+              <a:rPr lang="en-US" sz="3600" dirty="0"/>
+              <a:t>When can newly labeled examples be used?</a:t>
+            </a:r>
+            <a:endParaRPr lang="en-US" dirty="0"/>
           </a:p>
         </p:txBody>
       </p:sp>
       <p:pic>
         <p:nvPicPr>
-          <p:cNvPr id="8" name="Picture 7">
-            <a:extLst>
-              <a:ext uri="{FF2B5EF4-FFF2-40B4-BE49-F238E27FC236}">
-                <a16:creationId xmlns:a16="http://schemas.microsoft.com/office/drawing/2014/main" id="{D91F9FDB-0262-4041-97AE-00760CC70B04}"/>
+          <p:cNvPr id="6" name="Picture 5">
+            <a:extLst>
+              <a:ext uri="{FF2B5EF4-FFF2-40B4-BE49-F238E27FC236}">
+                <a16:creationId xmlns:a16="http://schemas.microsoft.com/office/drawing/2014/main" id="{3ED62E13-AC40-4E44-9057-D81A1CA4C8A6}"/>
               </a:ext>
             </a:extLst>
           </p:cNvPr>
@@ -4379,8 +4370,8 @@
         </p:blipFill>
         <p:spPr>
           <a:xfrm>
-            <a:off x="2379839" y="1056667"/>
-            <a:ext cx="7658100" cy="4133850"/>
+            <a:off x="1643062" y="1285876"/>
+            <a:ext cx="8905875" cy="5095875"/>
           </a:xfrm>
           <a:prstGeom prst="rect">
             <a:avLst/>
@@ -4390,7 +4381,7 @@
     </p:spTree>
     <p:extLst>
       <p:ext uri="{BB962C8B-B14F-4D97-AF65-F5344CB8AC3E}">
-        <p14:creationId xmlns:p14="http://schemas.microsoft.com/office/powerpoint/2010/main" val="3799610704"/>
+        <p14:creationId xmlns:p14="http://schemas.microsoft.com/office/powerpoint/2010/main" val="228888869"/>
       </p:ext>
     </p:extLst>
   </p:cSld>
@@ -4417,12 +4408,47 @@
           <a:chExt cx="0" cy="0"/>
         </a:xfrm>
       </p:grpSpPr>
+      <p:sp>
+        <p:nvSpPr>
+          <p:cNvPr id="4" name="TextBox 3">
+            <a:extLst>
+              <a:ext uri="{FF2B5EF4-FFF2-40B4-BE49-F238E27FC236}">
+                <a16:creationId xmlns:a16="http://schemas.microsoft.com/office/drawing/2014/main" id="{DE6B6B06-533C-4756-B34D-AB4185E24F03}"/>
+              </a:ext>
+            </a:extLst>
+          </p:cNvPr>
+          <p:cNvSpPr txBox="1"/>
+          <p:nvPr/>
+        </p:nvSpPr>
+        <p:spPr>
+          <a:xfrm>
+            <a:off x="3354512" y="578649"/>
+            <a:ext cx="5482976" cy="461665"/>
+          </a:xfrm>
+          <a:prstGeom prst="rect">
+            <a:avLst/>
+          </a:prstGeom>
+          <a:noFill/>
+        </p:spPr>
+        <p:txBody>
+          <a:bodyPr wrap="none" rtlCol="0">
+            <a:spAutoFit/>
+          </a:bodyPr>
+          <a:lstStyle/>
+          <a:p>
+            <a:r>
+              <a:rPr lang="en-US" sz="2400" dirty="0"/>
+              <a:t>Tri-Training Pseudo-Code (priming section)</a:t>
+            </a:r>
+          </a:p>
+        </p:txBody>
+      </p:sp>
       <p:pic>
         <p:nvPicPr>
-          <p:cNvPr id="6" name="Picture 5">
-            <a:extLst>
-              <a:ext uri="{FF2B5EF4-FFF2-40B4-BE49-F238E27FC236}">
-                <a16:creationId xmlns:a16="http://schemas.microsoft.com/office/drawing/2014/main" id="{2AB6C798-D0FD-4F57-AA82-85FB3A98C244}"/>
+          <p:cNvPr id="8" name="Picture 7">
+            <a:extLst>
+              <a:ext uri="{FF2B5EF4-FFF2-40B4-BE49-F238E27FC236}">
+                <a16:creationId xmlns:a16="http://schemas.microsoft.com/office/drawing/2014/main" id="{D91F9FDB-0262-4041-97AE-00760CC70B04}"/>
               </a:ext>
             </a:extLst>
           </p:cNvPr>
@@ -4439,53 +4465,18 @@
         </p:blipFill>
         <p:spPr>
           <a:xfrm>
-            <a:off x="0" y="445045"/>
-            <a:ext cx="12192000" cy="6337242"/>
+            <a:off x="2379839" y="1056667"/>
+            <a:ext cx="7658100" cy="4133850"/>
           </a:xfrm>
           <a:prstGeom prst="rect">
             <a:avLst/>
           </a:prstGeom>
         </p:spPr>
       </p:pic>
-      <p:sp>
-        <p:nvSpPr>
-          <p:cNvPr id="7" name="TextBox 6">
-            <a:extLst>
-              <a:ext uri="{FF2B5EF4-FFF2-40B4-BE49-F238E27FC236}">
-                <a16:creationId xmlns:a16="http://schemas.microsoft.com/office/drawing/2014/main" id="{71F8C033-E430-46F7-B83E-45E862A7EEAD}"/>
-              </a:ext>
-            </a:extLst>
-          </p:cNvPr>
-          <p:cNvSpPr txBox="1"/>
-          <p:nvPr/>
-        </p:nvSpPr>
-        <p:spPr>
-          <a:xfrm>
-            <a:off x="5038531" y="75713"/>
-            <a:ext cx="5630772" cy="461665"/>
-          </a:xfrm>
-          <a:prstGeom prst="rect">
-            <a:avLst/>
-          </a:prstGeom>
-          <a:noFill/>
-        </p:spPr>
-        <p:txBody>
-          <a:bodyPr wrap="none" rtlCol="0">
-            <a:spAutoFit/>
-          </a:bodyPr>
-          <a:lstStyle/>
-          <a:p>
-            <a:r>
-              <a:rPr lang="en-US" sz="2400" dirty="0"/>
-              <a:t>Tri-Training Pseudo-Code (updating section)</a:t>
-            </a:r>
-          </a:p>
-        </p:txBody>
-      </p:sp>
     </p:spTree>
     <p:extLst>
       <p:ext uri="{BB962C8B-B14F-4D97-AF65-F5344CB8AC3E}">
-        <p14:creationId xmlns:p14="http://schemas.microsoft.com/office/powerpoint/2010/main" val="706908898"/>
+        <p14:creationId xmlns:p14="http://schemas.microsoft.com/office/powerpoint/2010/main" val="3799610704"/>
       </p:ext>
     </p:extLst>
   </p:cSld>
@@ -4512,118 +4503,67 @@
           <a:chExt cx="0" cy="0"/>
         </a:xfrm>
       </p:grpSpPr>
-      <p:sp>
-        <p:nvSpPr>
-          <p:cNvPr id="2" name="Title 1">
-            <a:extLst>
-              <a:ext uri="{FF2B5EF4-FFF2-40B4-BE49-F238E27FC236}">
-                <a16:creationId xmlns:a16="http://schemas.microsoft.com/office/drawing/2014/main" id="{289913C6-4FB6-42EC-81DA-71162BE0E67C}"/>
-              </a:ext>
-            </a:extLst>
-          </p:cNvPr>
-          <p:cNvSpPr>
-            <a:spLocks noGrp="1"/>
-          </p:cNvSpPr>
-          <p:nvPr>
-            <p:ph type="title"/>
-          </p:nvPr>
-        </p:nvSpPr>
-        <p:spPr/>
-        <p:txBody>
-          <a:bodyPr/>
-          <a:lstStyle/>
-          <a:p>
-            <a:r>
-              <a:rPr lang="en-US" dirty="0"/>
-              <a:t>Testing and Rationale</a:t>
-            </a:r>
-          </a:p>
-        </p:txBody>
-      </p:sp>
-      <p:sp>
-        <p:nvSpPr>
-          <p:cNvPr id="3" name="Content Placeholder 2">
-            <a:extLst>
-              <a:ext uri="{FF2B5EF4-FFF2-40B4-BE49-F238E27FC236}">
-                <a16:creationId xmlns:a16="http://schemas.microsoft.com/office/drawing/2014/main" id="{2EC9B4ED-334A-4E61-9496-5177BA306FB5}"/>
-              </a:ext>
-            </a:extLst>
-          </p:cNvPr>
-          <p:cNvSpPr>
-            <a:spLocks noGrp="1"/>
-          </p:cNvSpPr>
-          <p:nvPr>
-            <p:ph idx="1"/>
-          </p:nvPr>
-        </p:nvSpPr>
-        <p:spPr/>
-        <p:txBody>
-          <a:bodyPr/>
-          <a:lstStyle/>
-          <a:p>
-            <a:pPr marL="0" indent="0">
-              <a:buNone/>
-            </a:pPr>
-            <a:r>
-              <a:rPr lang="en-US" dirty="0"/>
-              <a:t>Datasets		&lt;applicability&gt;</a:t>
-            </a:r>
-          </a:p>
-          <a:p>
-            <a:pPr lvl="1"/>
-            <a:r>
-              <a:rPr lang="en-US" dirty="0"/>
-              <a:t>(12) UCI, (1) Web Page Classification</a:t>
-            </a:r>
-          </a:p>
-          <a:p>
-            <a:pPr marL="0" indent="0">
-              <a:buNone/>
-            </a:pPr>
-            <a:r>
-              <a:rPr lang="en-US" dirty="0"/>
-              <a:t>“</a:t>
-            </a:r>
-            <a:r>
-              <a:rPr lang="en-US" dirty="0" err="1"/>
-              <a:t>Unlabel</a:t>
-            </a:r>
-            <a:r>
-              <a:rPr lang="en-US" dirty="0"/>
-              <a:t> Rate”	&lt;scalability&gt;</a:t>
-            </a:r>
-          </a:p>
-          <a:p>
-            <a:pPr lvl="1"/>
-            <a:r>
-              <a:rPr lang="en-US" dirty="0"/>
-              <a:t>20% to 80%</a:t>
-            </a:r>
-          </a:p>
-          <a:p>
-            <a:r>
-              <a:rPr lang="en-US" dirty="0"/>
-              <a:t>ML Algorithm	&lt;generality&gt;</a:t>
-            </a:r>
-          </a:p>
-          <a:p>
-            <a:pPr lvl="1"/>
-            <a:r>
-              <a:rPr lang="en-US" dirty="0"/>
-              <a:t>Decision Tree, NN, Naïve Bayes</a:t>
-            </a:r>
-          </a:p>
-          <a:p>
-            <a:r>
-              <a:rPr lang="en-US" dirty="0"/>
-              <a:t>Compare to other Semi-Supervised	&lt;compare to peers&gt;</a:t>
-            </a:r>
-          </a:p>
-          <a:p>
-            <a:pPr lvl="1"/>
-            <a:r>
-              <a:rPr lang="en-US" dirty="0"/>
-              <a:t>Co-training, Self-training1, Self-training2</a:t>
+      <p:pic>
+        <p:nvPicPr>
+          <p:cNvPr id="6" name="Picture 5">
+            <a:extLst>
+              <a:ext uri="{FF2B5EF4-FFF2-40B4-BE49-F238E27FC236}">
+                <a16:creationId xmlns:a16="http://schemas.microsoft.com/office/drawing/2014/main" id="{2AB6C798-D0FD-4F57-AA82-85FB3A98C244}"/>
+              </a:ext>
+            </a:extLst>
+          </p:cNvPr>
+          <p:cNvPicPr>
+            <a:picLocks noChangeAspect="1"/>
+          </p:cNvPicPr>
+          <p:nvPr/>
+        </p:nvPicPr>
+        <p:blipFill>
+          <a:blip r:embed="rId2"/>
+          <a:stretch>
+            <a:fillRect/>
+          </a:stretch>
+        </p:blipFill>
+        <p:spPr>
+          <a:xfrm>
+            <a:off x="0" y="445045"/>
+            <a:ext cx="12192000" cy="6337242"/>
+          </a:xfrm>
+          <a:prstGeom prst="rect">
+            <a:avLst/>
+          </a:prstGeom>
+        </p:spPr>
+      </p:pic>
+      <p:sp>
+        <p:nvSpPr>
+          <p:cNvPr id="7" name="TextBox 6">
+            <a:extLst>
+              <a:ext uri="{FF2B5EF4-FFF2-40B4-BE49-F238E27FC236}">
+                <a16:creationId xmlns:a16="http://schemas.microsoft.com/office/drawing/2014/main" id="{71F8C033-E430-46F7-B83E-45E862A7EEAD}"/>
+              </a:ext>
+            </a:extLst>
+          </p:cNvPr>
+          <p:cNvSpPr txBox="1"/>
+          <p:nvPr/>
+        </p:nvSpPr>
+        <p:spPr>
+          <a:xfrm>
+            <a:off x="5038531" y="75713"/>
+            <a:ext cx="5630772" cy="461665"/>
+          </a:xfrm>
+          <a:prstGeom prst="rect">
+            <a:avLst/>
+          </a:prstGeom>
+          <a:noFill/>
+        </p:spPr>
+        <p:txBody>
+          <a:bodyPr wrap="none" rtlCol="0">
+            <a:spAutoFit/>
+          </a:bodyPr>
+          <a:lstStyle/>
+          <a:p>
+            <a:r>
+              <a:rPr lang="en-US" sz="2400" dirty="0"/>
+              <a:t>Tri-Training Pseudo-Code (updating section)</a:t>
             </a:r>
           </a:p>
         </p:txBody>
@@ -4631,7 +4571,7 @@
     </p:spTree>
     <p:extLst>
       <p:ext uri="{BB962C8B-B14F-4D97-AF65-F5344CB8AC3E}">
-        <p14:creationId xmlns:p14="http://schemas.microsoft.com/office/powerpoint/2010/main" val="2642674788"/>
+        <p14:creationId xmlns:p14="http://schemas.microsoft.com/office/powerpoint/2010/main" val="706908898"/>
       </p:ext>
     </p:extLst>
   </p:cSld>
@@ -4658,42 +4598,12 @@
           <a:chExt cx="0" cy="0"/>
         </a:xfrm>
       </p:grpSpPr>
-      <p:pic>
-        <p:nvPicPr>
-          <p:cNvPr id="5" name="Picture 4">
-            <a:extLst>
-              <a:ext uri="{FF2B5EF4-FFF2-40B4-BE49-F238E27FC236}">
-                <a16:creationId xmlns:a16="http://schemas.microsoft.com/office/drawing/2014/main" id="{F86E889C-2D18-46F7-8469-5EC865D60928}"/>
-              </a:ext>
-            </a:extLst>
-          </p:cNvPr>
-          <p:cNvPicPr>
-            <a:picLocks noChangeAspect="1"/>
-          </p:cNvPicPr>
-          <p:nvPr/>
-        </p:nvPicPr>
-        <p:blipFill>
-          <a:blip r:embed="rId2"/>
-          <a:stretch>
-            <a:fillRect/>
-          </a:stretch>
-        </p:blipFill>
-        <p:spPr>
-          <a:xfrm>
-            <a:off x="1964267" y="557836"/>
-            <a:ext cx="9584795" cy="5935039"/>
-          </a:xfrm>
-          <a:prstGeom prst="rect">
-            <a:avLst/>
-          </a:prstGeom>
-        </p:spPr>
-      </p:pic>
       <p:sp>
         <p:nvSpPr>
           <p:cNvPr id="2" name="Title 1">
             <a:extLst>
               <a:ext uri="{FF2B5EF4-FFF2-40B4-BE49-F238E27FC236}">
-                <a16:creationId xmlns:a16="http://schemas.microsoft.com/office/drawing/2014/main" id="{58539666-AA22-459D-BD9C-F36A804BA181}"/>
+                <a16:creationId xmlns:a16="http://schemas.microsoft.com/office/drawing/2014/main" id="{289913C6-4FB6-42EC-81DA-71162BE0E67C}"/>
               </a:ext>
             </a:extLst>
           </p:cNvPr>
@@ -4711,23 +4621,103 @@
           <a:p>
             <a:r>
               <a:rPr lang="en-US" dirty="0"/>
-              <a:t>Results</a:t>
-            </a:r>
-            <a:br>
+              <a:t>Testing and Rationale</a:t>
+            </a:r>
+          </a:p>
+        </p:txBody>
+      </p:sp>
+      <p:sp>
+        <p:nvSpPr>
+          <p:cNvPr id="3" name="Content Placeholder 2">
+            <a:extLst>
+              <a:ext uri="{FF2B5EF4-FFF2-40B4-BE49-F238E27FC236}">
+                <a16:creationId xmlns:a16="http://schemas.microsoft.com/office/drawing/2014/main" id="{2EC9B4ED-334A-4E61-9496-5177BA306FB5}"/>
+              </a:ext>
+            </a:extLst>
+          </p:cNvPr>
+          <p:cNvSpPr>
+            <a:spLocks noGrp="1"/>
+          </p:cNvSpPr>
+          <p:nvPr>
+            <p:ph idx="1"/>
+          </p:nvPr>
+        </p:nvSpPr>
+        <p:spPr/>
+        <p:txBody>
+          <a:bodyPr/>
+          <a:lstStyle/>
+          <a:p>
+            <a:pPr marL="0" indent="0">
+              <a:buNone/>
+            </a:pPr>
+            <a:r>
               <a:rPr lang="en-US" dirty="0"/>
-            </a:br>
-            <a:r>
-              <a:rPr lang="en-US" sz="2000" dirty="0"/>
-              <a:t>(avg on UCI datasets)</a:t>
-            </a:r>
-            <a:endParaRPr lang="en-US" dirty="0"/>
+              <a:t>Datasets		&lt;applicability&gt;</a:t>
+            </a:r>
+          </a:p>
+          <a:p>
+            <a:pPr lvl="1"/>
+            <a:r>
+              <a:rPr lang="en-US" dirty="0"/>
+              <a:t>(12) UCI, (1) Web Page Classification</a:t>
+            </a:r>
+          </a:p>
+          <a:p>
+            <a:pPr marL="0" indent="0">
+              <a:buNone/>
+            </a:pPr>
+            <a:r>
+              <a:rPr lang="en-US" dirty="0"/>
+              <a:t>“</a:t>
+            </a:r>
+            <a:r>
+              <a:rPr lang="en-US" dirty="0" err="1"/>
+              <a:t>Unlabel</a:t>
+            </a:r>
+            <a:r>
+              <a:rPr lang="en-US" dirty="0"/>
+              <a:t> Rate”	&lt;scalability&gt;</a:t>
+            </a:r>
+          </a:p>
+          <a:p>
+            <a:pPr lvl="1"/>
+            <a:r>
+              <a:rPr lang="en-US" dirty="0"/>
+              <a:t>20% to 80%</a:t>
+            </a:r>
+          </a:p>
+          <a:p>
+            <a:r>
+              <a:rPr lang="en-US" dirty="0"/>
+              <a:t>ML Algorithm	&lt;generality&gt;</a:t>
+            </a:r>
+          </a:p>
+          <a:p>
+            <a:pPr lvl="1"/>
+            <a:r>
+              <a:rPr lang="en-US" dirty="0"/>
+              <a:t>Decision Tree, NN, Naïve Bayes</a:t>
+            </a:r>
+          </a:p>
+          <a:p>
+            <a:r>
+              <a:rPr lang="en-US" dirty="0"/>
+              <a:t>Compare to other Semi-Supervised	&lt;compare to peers&gt;</a:t>
+            </a:r>
+          </a:p>
+          <a:p>
+            <a:pPr lvl="1"/>
+            <a:r>
+              <a:rPr lang="en-US" dirty="0"/>
+              <a:t>Co-training, Self-training1, Self-training2</a:t>
+            </a:r>
           </a:p>
         </p:txBody>
       </p:sp>
     </p:spTree>
     <p:extLst>
       <p:ext uri="{BB962C8B-B14F-4D97-AF65-F5344CB8AC3E}">
-        <p14:creationId xmlns:p14="http://schemas.microsoft.com/office/powerpoint/2010/main" val="2777132197"/>
+        <p14:creationId xmlns:p14="http://schemas.microsoft.com/office/powerpoint/2010/main" val="2642674788"/>
       </p:ext>
     </p:extLst>
   </p:cSld>
@@ -4754,12 +4744,42 @@
           <a:chExt cx="0" cy="0"/>
         </a:xfrm>
       </p:grpSpPr>
+      <p:pic>
+        <p:nvPicPr>
+          <p:cNvPr id="5" name="Picture 4">
+            <a:extLst>
+              <a:ext uri="{FF2B5EF4-FFF2-40B4-BE49-F238E27FC236}">
+                <a16:creationId xmlns:a16="http://schemas.microsoft.com/office/drawing/2014/main" id="{F86E889C-2D18-46F7-8469-5EC865D60928}"/>
+              </a:ext>
+            </a:extLst>
+          </p:cNvPr>
+          <p:cNvPicPr>
+            <a:picLocks noChangeAspect="1"/>
+          </p:cNvPicPr>
+          <p:nvPr/>
+        </p:nvPicPr>
+        <p:blipFill>
+          <a:blip r:embed="rId2"/>
+          <a:stretch>
+            <a:fillRect/>
+          </a:stretch>
+        </p:blipFill>
+        <p:spPr>
+          <a:xfrm>
+            <a:off x="1964267" y="557836"/>
+            <a:ext cx="9584795" cy="5935039"/>
+          </a:xfrm>
+          <a:prstGeom prst="rect">
+            <a:avLst/>
+          </a:prstGeom>
+        </p:spPr>
+      </p:pic>
       <p:sp>
         <p:nvSpPr>
           <p:cNvPr id="2" name="Title 1">
             <a:extLst>
               <a:ext uri="{FF2B5EF4-FFF2-40B4-BE49-F238E27FC236}">
-                <a16:creationId xmlns:a16="http://schemas.microsoft.com/office/drawing/2014/main" id="{64FEF257-14AF-45D9-8B30-DA0AA20074C0}"/>
+                <a16:creationId xmlns:a16="http://schemas.microsoft.com/office/drawing/2014/main" id="{58539666-AA22-459D-BD9C-F36A804BA181}"/>
               </a:ext>
             </a:extLst>
           </p:cNvPr>
@@ -4777,86 +4797,15 @@
           <a:p>
             <a:r>
               <a:rPr lang="en-US" dirty="0"/>
-              <a:t>Conclusions</a:t>
-            </a:r>
-          </a:p>
-        </p:txBody>
-      </p:sp>
-      <p:sp>
-        <p:nvSpPr>
-          <p:cNvPr id="3" name="Content Placeholder 2">
-            <a:extLst>
-              <a:ext uri="{FF2B5EF4-FFF2-40B4-BE49-F238E27FC236}">
-                <a16:creationId xmlns:a16="http://schemas.microsoft.com/office/drawing/2014/main" id="{E7E3B075-209E-4BE0-BB11-DBC85F681BBF}"/>
-              </a:ext>
-            </a:extLst>
-          </p:cNvPr>
-          <p:cNvSpPr>
-            <a:spLocks noGrp="1"/>
-          </p:cNvSpPr>
-          <p:nvPr>
-            <p:ph idx="1"/>
-          </p:nvPr>
-        </p:nvSpPr>
-        <p:spPr/>
-        <p:txBody>
-          <a:bodyPr>
-            <a:normAutofit/>
-          </a:bodyPr>
-          <a:lstStyle/>
-          <a:p>
-            <a:pPr marL="0" indent="0">
-              <a:buNone/>
-            </a:pPr>
-            <a:r>
+              <a:t>Results</a:t>
+            </a:r>
+            <a:br>
               <a:rPr lang="en-US" dirty="0"/>
-              <a:t>Good efficiency and generalizability because:</a:t>
-            </a:r>
-          </a:p>
-          <a:p>
-            <a:pPr lvl="1"/>
-            <a:r>
-              <a:rPr lang="en-US" dirty="0"/>
-              <a:t>“gracefully”(?) choose examples to label</a:t>
-            </a:r>
-          </a:p>
-          <a:p>
-            <a:pPr lvl="1"/>
-            <a:r>
-              <a:rPr lang="en-US" dirty="0"/>
-              <a:t>Use multiple classifiers to compose final hypothesis</a:t>
-            </a:r>
-          </a:p>
-          <a:p>
-            <a:pPr marL="0" indent="0">
-              <a:buNone/>
-            </a:pPr>
-            <a:r>
-              <a:rPr lang="en-US" dirty="0"/>
-              <a:t>Wide applicability</a:t>
-            </a:r>
-          </a:p>
-          <a:p>
-            <a:pPr lvl="1"/>
-            <a:r>
-              <a:rPr lang="en-US" dirty="0"/>
-              <a:t>Does not require sufficient and redundant views</a:t>
-            </a:r>
-          </a:p>
-          <a:p>
-            <a:pPr lvl="1"/>
-            <a:r>
-              <a:rPr lang="en-US" dirty="0"/>
-              <a:t>No constraint on learning algorithm</a:t>
-            </a:r>
-          </a:p>
-          <a:p>
-            <a:r>
-              <a:rPr lang="en-US" dirty="0"/>
-              <a:t>Algorithm is simple, but effectively exploited unlabeled examples</a:t>
-            </a:r>
-          </a:p>
-          <a:p>
+            </a:br>
+            <a:r>
+              <a:rPr lang="en-US" sz="2000" dirty="0"/>
+              <a:t>(avg on UCI datasets)</a:t>
+            </a:r>
             <a:endParaRPr lang="en-US" dirty="0"/>
           </a:p>
         </p:txBody>
@@ -4864,7 +4813,7 @@
     </p:spTree>
     <p:extLst>
       <p:ext uri="{BB962C8B-B14F-4D97-AF65-F5344CB8AC3E}">
-        <p14:creationId xmlns:p14="http://schemas.microsoft.com/office/powerpoint/2010/main" val="1364949526"/>
+        <p14:creationId xmlns:p14="http://schemas.microsoft.com/office/powerpoint/2010/main" val="2777132197"/>
       </p:ext>
     </p:extLst>
   </p:cSld>
@@ -4896,7 +4845,7 @@
           <p:cNvPr id="2" name="Title 1">
             <a:extLst>
               <a:ext uri="{FF2B5EF4-FFF2-40B4-BE49-F238E27FC236}">
-                <a16:creationId xmlns:a16="http://schemas.microsoft.com/office/drawing/2014/main" id="{4A4D416D-DDC5-4D76-8D7E-6206CDFB4060}"/>
+                <a16:creationId xmlns:a16="http://schemas.microsoft.com/office/drawing/2014/main" id="{64FEF257-14AF-45D9-8B30-DA0AA20074C0}"/>
               </a:ext>
             </a:extLst>
           </p:cNvPr>
@@ -4914,7 +4863,7 @@
           <a:p>
             <a:r>
               <a:rPr lang="en-US" dirty="0"/>
-              <a:t>Future Research</a:t>
+              <a:t>Conclusions</a:t>
             </a:r>
           </a:p>
         </p:txBody>
@@ -4924,7 +4873,7 @@
           <p:cNvPr id="3" name="Content Placeholder 2">
             <a:extLst>
               <a:ext uri="{FF2B5EF4-FFF2-40B4-BE49-F238E27FC236}">
-                <a16:creationId xmlns:a16="http://schemas.microsoft.com/office/drawing/2014/main" id="{C9CF28F0-9F10-4956-B72D-5C9D9E8F423C}"/>
+                <a16:creationId xmlns:a16="http://schemas.microsoft.com/office/drawing/2014/main" id="{E7E3B075-209E-4BE0-BB11-DBC85F681BBF}"/>
               </a:ext>
             </a:extLst>
           </p:cNvPr>
@@ -4937,65 +4886,63 @@
         </p:nvSpPr>
         <p:spPr/>
         <p:txBody>
-          <a:bodyPr/>
-          <a:lstStyle/>
-          <a:p>
-            <a:r>
-              <a:rPr lang="en-US" dirty="0"/>
-              <a:t>Data Editing [18]</a:t>
-            </a:r>
-          </a:p>
-          <a:p>
-            <a:pPr lvl="1"/>
-            <a:r>
-              <a:rPr lang="en-US" dirty="0"/>
-              <a:t>Help identify wrongly-labeled examples</a:t>
-            </a:r>
-          </a:p>
-          <a:p>
-            <a:pPr lvl="1"/>
-            <a:r>
-              <a:rPr lang="en-US" dirty="0"/>
-              <a:t>Incorporating Data Editing into Tri-training</a:t>
-            </a:r>
-          </a:p>
-          <a:p>
-            <a:r>
-              <a:rPr lang="en-US" dirty="0"/>
-              <a:t>Active Learning [7]</a:t>
-            </a:r>
-          </a:p>
-          <a:p>
-            <a:pPr lvl="1"/>
-            <a:r>
-              <a:rPr lang="en-US" dirty="0"/>
-              <a:t>Labels for selected unlabeled samples asked from user</a:t>
-            </a:r>
-          </a:p>
-          <a:p>
-            <a:pPr lvl="1"/>
-            <a:r>
-              <a:rPr lang="en-US" dirty="0"/>
-              <a:t>Query by Committee [25]</a:t>
-            </a:r>
-          </a:p>
-          <a:p>
-            <a:r>
-              <a:rPr lang="en-US" dirty="0"/>
-              <a:t>Current implementation “incremental learning”</a:t>
-            </a:r>
-          </a:p>
-          <a:p>
-            <a:pPr lvl="1"/>
-            <a:r>
-              <a:rPr lang="en-US" dirty="0"/>
-              <a:t>instead of full re-train each loop</a:t>
-            </a:r>
-          </a:p>
+          <a:bodyPr>
+            <a:normAutofit/>
+          </a:bodyPr>
+          <a:lstStyle/>
           <a:p>
             <a:pPr marL="0" indent="0">
               <a:buNone/>
             </a:pPr>
+            <a:r>
+              <a:rPr lang="en-US" dirty="0"/>
+              <a:t>Good efficiency and generalizability because:</a:t>
+            </a:r>
+          </a:p>
+          <a:p>
+            <a:pPr lvl="1"/>
+            <a:r>
+              <a:rPr lang="en-US" dirty="0"/>
+              <a:t>“gracefully”(?) choose examples to label</a:t>
+            </a:r>
+          </a:p>
+          <a:p>
+            <a:pPr lvl="1"/>
+            <a:r>
+              <a:rPr lang="en-US" dirty="0"/>
+              <a:t>Use multiple classifiers to compose final hypothesis</a:t>
+            </a:r>
+          </a:p>
+          <a:p>
+            <a:pPr marL="0" indent="0">
+              <a:buNone/>
+            </a:pPr>
+            <a:r>
+              <a:rPr lang="en-US" dirty="0"/>
+              <a:t>Wide applicability</a:t>
+            </a:r>
+          </a:p>
+          <a:p>
+            <a:pPr lvl="1"/>
+            <a:r>
+              <a:rPr lang="en-US" dirty="0"/>
+              <a:t>Does not require sufficient and redundant views</a:t>
+            </a:r>
+          </a:p>
+          <a:p>
+            <a:pPr lvl="1"/>
+            <a:r>
+              <a:rPr lang="en-US" dirty="0"/>
+              <a:t>No constraint on learning algorithm</a:t>
+            </a:r>
+          </a:p>
+          <a:p>
+            <a:r>
+              <a:rPr lang="en-US" dirty="0"/>
+              <a:t>Algorithm is simple, but effectively exploited unlabeled examples</a:t>
+            </a:r>
+          </a:p>
+          <a:p>
             <a:endParaRPr lang="en-US" dirty="0"/>
           </a:p>
         </p:txBody>
@@ -5003,7 +4950,7 @@
     </p:spTree>
     <p:extLst>
       <p:ext uri="{BB962C8B-B14F-4D97-AF65-F5344CB8AC3E}">
-        <p14:creationId xmlns:p14="http://schemas.microsoft.com/office/powerpoint/2010/main" val="331649544"/>
+        <p14:creationId xmlns:p14="http://schemas.microsoft.com/office/powerpoint/2010/main" val="1364949526"/>
       </p:ext>
     </p:extLst>
   </p:cSld>
@@ -5035,7 +4982,7 @@
           <p:cNvPr id="2" name="Title 1">
             <a:extLst>
               <a:ext uri="{FF2B5EF4-FFF2-40B4-BE49-F238E27FC236}">
-                <a16:creationId xmlns:a16="http://schemas.microsoft.com/office/drawing/2014/main" id="{56A7EB75-37DD-4364-B794-F4FF266009A7}"/>
+                <a16:creationId xmlns:a16="http://schemas.microsoft.com/office/drawing/2014/main" id="{4A4D416D-DDC5-4D76-8D7E-6206CDFB4060}"/>
               </a:ext>
             </a:extLst>
           </p:cNvPr>
@@ -5046,28 +4993,103 @@
             <p:ph type="title"/>
           </p:nvPr>
         </p:nvSpPr>
-        <p:spPr>
-          <a:xfrm>
-            <a:off x="660918" y="2623133"/>
-            <a:ext cx="10515600" cy="1325563"/>
-          </a:xfrm>
-        </p:spPr>
+        <p:spPr/>
         <p:txBody>
           <a:bodyPr/>
           <a:lstStyle/>
           <a:p>
-            <a:pPr algn="ctr"/>
             <a:r>
               <a:rPr lang="en-US" dirty="0"/>
-              <a:t>Thank You</a:t>
-            </a:r>
+              <a:t>Future Research</a:t>
+            </a:r>
+          </a:p>
+        </p:txBody>
+      </p:sp>
+      <p:sp>
+        <p:nvSpPr>
+          <p:cNvPr id="3" name="Content Placeholder 2">
+            <a:extLst>
+              <a:ext uri="{FF2B5EF4-FFF2-40B4-BE49-F238E27FC236}">
+                <a16:creationId xmlns:a16="http://schemas.microsoft.com/office/drawing/2014/main" id="{C9CF28F0-9F10-4956-B72D-5C9D9E8F423C}"/>
+              </a:ext>
+            </a:extLst>
+          </p:cNvPr>
+          <p:cNvSpPr>
+            <a:spLocks noGrp="1"/>
+          </p:cNvSpPr>
+          <p:nvPr>
+            <p:ph idx="1"/>
+          </p:nvPr>
+        </p:nvSpPr>
+        <p:spPr/>
+        <p:txBody>
+          <a:bodyPr/>
+          <a:lstStyle/>
+          <a:p>
+            <a:r>
+              <a:rPr lang="en-US" dirty="0"/>
+              <a:t>Data Editing [18]</a:t>
+            </a:r>
+          </a:p>
+          <a:p>
+            <a:pPr lvl="1"/>
+            <a:r>
+              <a:rPr lang="en-US" dirty="0"/>
+              <a:t>Help identify wrongly-labeled examples</a:t>
+            </a:r>
+          </a:p>
+          <a:p>
+            <a:pPr lvl="1"/>
+            <a:r>
+              <a:rPr lang="en-US" dirty="0"/>
+              <a:t>Incorporating Data Editing into Tri-training</a:t>
+            </a:r>
+          </a:p>
+          <a:p>
+            <a:r>
+              <a:rPr lang="en-US" dirty="0"/>
+              <a:t>Active Learning [7]</a:t>
+            </a:r>
+          </a:p>
+          <a:p>
+            <a:pPr lvl="1"/>
+            <a:r>
+              <a:rPr lang="en-US" dirty="0"/>
+              <a:t>Labels for selected unlabeled samples asked from user</a:t>
+            </a:r>
+          </a:p>
+          <a:p>
+            <a:pPr lvl="1"/>
+            <a:r>
+              <a:rPr lang="en-US" dirty="0"/>
+              <a:t>Query by Committee [25]</a:t>
+            </a:r>
+          </a:p>
+          <a:p>
+            <a:r>
+              <a:rPr lang="en-US" dirty="0"/>
+              <a:t>Current implementation “incremental learning”</a:t>
+            </a:r>
+          </a:p>
+          <a:p>
+            <a:pPr lvl="1"/>
+            <a:r>
+              <a:rPr lang="en-US" dirty="0"/>
+              <a:t>instead of full re-train each loop</a:t>
+            </a:r>
+          </a:p>
+          <a:p>
+            <a:pPr marL="0" indent="0">
+              <a:buNone/>
+            </a:pPr>
+            <a:endParaRPr lang="en-US" dirty="0"/>
           </a:p>
         </p:txBody>
       </p:sp>
     </p:spTree>
     <p:extLst>
       <p:ext uri="{BB962C8B-B14F-4D97-AF65-F5344CB8AC3E}">
-        <p14:creationId xmlns:p14="http://schemas.microsoft.com/office/powerpoint/2010/main" val="207985638"/>
+        <p14:creationId xmlns:p14="http://schemas.microsoft.com/office/powerpoint/2010/main" val="331649544"/>
       </p:ext>
     </p:extLst>
   </p:cSld>
@@ -5096,59 +5118,10 @@
       </p:grpSpPr>
       <p:sp>
         <p:nvSpPr>
-          <p:cNvPr id="15" name="Arrow: Down 14">
-            <a:extLst>
-              <a:ext uri="{FF2B5EF4-FFF2-40B4-BE49-F238E27FC236}">
-                <a16:creationId xmlns:a16="http://schemas.microsoft.com/office/drawing/2014/main" id="{FC335F69-1B39-4C70-AF8F-AD9312ED886C}"/>
-              </a:ext>
-            </a:extLst>
-          </p:cNvPr>
-          <p:cNvSpPr/>
-          <p:nvPr/>
-        </p:nvSpPr>
-        <p:spPr>
-          <a:xfrm>
-            <a:off x="4193154" y="2990062"/>
-            <a:ext cx="544748" cy="1601385"/>
-          </a:xfrm>
-          <a:prstGeom prst="downArrow">
-            <a:avLst/>
-          </a:prstGeom>
-          <a:solidFill>
-            <a:schemeClr val="bg2"/>
-          </a:solidFill>
-        </p:spPr>
-        <p:style>
-          <a:lnRef idx="2">
-            <a:schemeClr val="accent1">
-              <a:shade val="50000"/>
-            </a:schemeClr>
-          </a:lnRef>
-          <a:fillRef idx="1">
-            <a:schemeClr val="accent1"/>
-          </a:fillRef>
-          <a:effectRef idx="0">
-            <a:schemeClr val="accent1"/>
-          </a:effectRef>
-          <a:fontRef idx="minor">
-            <a:schemeClr val="lt1"/>
-          </a:fontRef>
-        </p:style>
-        <p:txBody>
-          <a:bodyPr rtlCol="0" anchor="ctr"/>
-          <a:lstStyle/>
-          <a:p>
-            <a:pPr algn="ctr"/>
-            <a:endParaRPr lang="en-US"/>
-          </a:p>
-        </p:txBody>
-      </p:sp>
-      <p:sp>
-        <p:nvSpPr>
           <p:cNvPr id="2" name="Title 1">
             <a:extLst>
               <a:ext uri="{FF2B5EF4-FFF2-40B4-BE49-F238E27FC236}">
-                <a16:creationId xmlns:a16="http://schemas.microsoft.com/office/drawing/2014/main" id="{5F41BC48-48E0-419D-A36A-F78E88F3347C}"/>
+                <a16:creationId xmlns:a16="http://schemas.microsoft.com/office/drawing/2014/main" id="{56A7EB75-37DD-4364-B794-F4FF266009A7}"/>
               </a:ext>
             </a:extLst>
           </p:cNvPr>
@@ -5159,931 +5132,28 @@
             <p:ph type="title"/>
           </p:nvPr>
         </p:nvSpPr>
-        <p:spPr/>
-        <p:txBody>
-          <a:bodyPr>
-            <a:normAutofit/>
-          </a:bodyPr>
-          <a:lstStyle/>
-          <a:p>
-            <a:r>
-              <a:rPr lang="en-US" dirty="0" err="1"/>
-              <a:t>Angluin</a:t>
-            </a:r>
+        <p:spPr>
+          <a:xfrm>
+            <a:off x="660918" y="2623133"/>
+            <a:ext cx="10515600" cy="1325563"/>
+          </a:xfrm>
+        </p:spPr>
+        <p:txBody>
+          <a:bodyPr/>
+          <a:lstStyle/>
+          <a:p>
+            <a:pPr algn="ctr"/>
             <a:r>
               <a:rPr lang="en-US" dirty="0"/>
-              <a:t>, Laird (1988)</a:t>
-            </a:r>
-            <a:br>
-              <a:rPr lang="en-US" dirty="0"/>
-            </a:br>
-            <a:r>
-              <a:rPr lang="en-US" sz="2700" dirty="0"/>
-              <a:t>How to cope with incorrect training examples?</a:t>
-            </a:r>
-            <a:endParaRPr lang="en-US" dirty="0"/>
-          </a:p>
-        </p:txBody>
-      </p:sp>
-      <p:sp>
-        <p:nvSpPr>
-          <p:cNvPr id="4" name="Rectangle 3">
-            <a:extLst>
-              <a:ext uri="{FF2B5EF4-FFF2-40B4-BE49-F238E27FC236}">
-                <a16:creationId xmlns:a16="http://schemas.microsoft.com/office/drawing/2014/main" id="{86227216-69C7-4E5C-9D5D-7C66B5F684AE}"/>
-              </a:ext>
-            </a:extLst>
-          </p:cNvPr>
-          <p:cNvSpPr/>
-          <p:nvPr/>
-        </p:nvSpPr>
-        <p:spPr>
-          <a:xfrm>
-            <a:off x="4131011" y="1945481"/>
-            <a:ext cx="1673158" cy="919704"/>
-          </a:xfrm>
-          <a:prstGeom prst="rect">
-            <a:avLst/>
-          </a:prstGeom>
-        </p:spPr>
-        <p:style>
-          <a:lnRef idx="2">
-            <a:schemeClr val="accent1">
-              <a:shade val="50000"/>
-            </a:schemeClr>
-          </a:lnRef>
-          <a:fillRef idx="1">
-            <a:schemeClr val="accent1"/>
-          </a:fillRef>
-          <a:effectRef idx="0">
-            <a:schemeClr val="accent1"/>
-          </a:effectRef>
-          <a:fontRef idx="minor">
-            <a:schemeClr val="lt1"/>
-          </a:fontRef>
-        </p:style>
-        <p:txBody>
-          <a:bodyPr rtlCol="0" anchor="ctr"/>
-          <a:lstStyle/>
-          <a:p>
-            <a:pPr algn="ctr"/>
-            <a:r>
-              <a:rPr lang="en-US" dirty="0"/>
-              <a:t>Algorithm</a:t>
-            </a:r>
-          </a:p>
-        </p:txBody>
-      </p:sp>
-      <p:sp>
-        <p:nvSpPr>
-          <p:cNvPr id="5" name="Rectangle 4">
-            <a:extLst>
-              <a:ext uri="{FF2B5EF4-FFF2-40B4-BE49-F238E27FC236}">
-                <a16:creationId xmlns:a16="http://schemas.microsoft.com/office/drawing/2014/main" id="{C754DD90-76B5-4F14-B287-1D1AB669E17C}"/>
-              </a:ext>
-            </a:extLst>
-          </p:cNvPr>
-          <p:cNvSpPr/>
-          <p:nvPr/>
-        </p:nvSpPr>
-        <p:spPr>
-          <a:xfrm>
-            <a:off x="4131011" y="4689663"/>
-            <a:ext cx="1673158" cy="914400"/>
-          </a:xfrm>
-          <a:prstGeom prst="rect">
-            <a:avLst/>
-          </a:prstGeom>
-        </p:spPr>
-        <p:style>
-          <a:lnRef idx="2">
-            <a:schemeClr val="accent1">
-              <a:shade val="50000"/>
-            </a:schemeClr>
-          </a:lnRef>
-          <a:fillRef idx="1">
-            <a:schemeClr val="accent1"/>
-          </a:fillRef>
-          <a:effectRef idx="0">
-            <a:schemeClr val="accent1"/>
-          </a:effectRef>
-          <a:fontRef idx="minor">
-            <a:schemeClr val="lt1"/>
-          </a:fontRef>
-        </p:style>
-        <p:txBody>
-          <a:bodyPr rtlCol="0" anchor="ctr"/>
-          <a:lstStyle/>
-          <a:p>
-            <a:pPr algn="ctr"/>
-            <a:r>
-              <a:rPr lang="en-US" dirty="0"/>
-              <a:t>Algorithm’</a:t>
-            </a:r>
-          </a:p>
-        </p:txBody>
-      </p:sp>
-      <p:sp>
-        <p:nvSpPr>
-          <p:cNvPr id="6" name="Rectangle 5">
-            <a:extLst>
-              <a:ext uri="{FF2B5EF4-FFF2-40B4-BE49-F238E27FC236}">
-                <a16:creationId xmlns:a16="http://schemas.microsoft.com/office/drawing/2014/main" id="{152343D8-2479-478B-9B53-363A682A5FC7}"/>
-              </a:ext>
-            </a:extLst>
-          </p:cNvPr>
-          <p:cNvSpPr/>
-          <p:nvPr/>
-        </p:nvSpPr>
-        <p:spPr>
-          <a:xfrm>
-            <a:off x="1313232" y="2145037"/>
-            <a:ext cx="1086255" cy="530069"/>
-          </a:xfrm>
-          <a:prstGeom prst="rect">
-            <a:avLst/>
-          </a:prstGeom>
-        </p:spPr>
-        <p:style>
-          <a:lnRef idx="2">
-            <a:schemeClr val="accent1">
-              <a:shade val="50000"/>
-            </a:schemeClr>
-          </a:lnRef>
-          <a:fillRef idx="1">
-            <a:schemeClr val="accent1"/>
-          </a:fillRef>
-          <a:effectRef idx="0">
-            <a:schemeClr val="accent1"/>
-          </a:effectRef>
-          <a:fontRef idx="minor">
-            <a:schemeClr val="lt1"/>
-          </a:fontRef>
-        </p:style>
-        <p:txBody>
-          <a:bodyPr rtlCol="0" anchor="ctr"/>
-          <a:lstStyle/>
-          <a:p>
-            <a:pPr algn="ctr"/>
-            <a:endParaRPr lang="en-US" dirty="0"/>
-          </a:p>
-        </p:txBody>
-      </p:sp>
-      <p:cxnSp>
-        <p:nvCxnSpPr>
-          <p:cNvPr id="11" name="Straight Arrow Connector 10">
-            <a:extLst>
-              <a:ext uri="{FF2B5EF4-FFF2-40B4-BE49-F238E27FC236}">
-                <a16:creationId xmlns:a16="http://schemas.microsoft.com/office/drawing/2014/main" id="{80BD6D1C-D080-4260-A06B-07DD1C0B775F}"/>
-              </a:ext>
-            </a:extLst>
-          </p:cNvPr>
-          <p:cNvCxnSpPr>
-            <a:cxnSpLocks/>
-            <a:stCxn id="23" idx="3"/>
-            <a:endCxn id="4" idx="1"/>
-          </p:cNvCxnSpPr>
-          <p:nvPr/>
-        </p:nvCxnSpPr>
-        <p:spPr>
-          <a:xfrm flipV="1">
-            <a:off x="2788012" y="2405333"/>
-            <a:ext cx="1342999" cy="4739"/>
-          </a:xfrm>
-          <a:prstGeom prst="straightConnector1">
-            <a:avLst/>
-          </a:prstGeom>
-          <a:ln>
-            <a:tailEnd type="triangle"/>
-          </a:ln>
-        </p:spPr>
-        <p:style>
-          <a:lnRef idx="1">
-            <a:schemeClr val="accent1"/>
-          </a:lnRef>
-          <a:fillRef idx="0">
-            <a:schemeClr val="accent1"/>
-          </a:fillRef>
-          <a:effectRef idx="0">
-            <a:schemeClr val="accent1"/>
-          </a:effectRef>
-          <a:fontRef idx="minor">
-            <a:schemeClr val="tx1"/>
-          </a:fontRef>
-        </p:style>
-      </p:cxnSp>
-      <p:sp>
-        <p:nvSpPr>
-          <p:cNvPr id="14" name="TextBox 13">
-            <a:extLst>
-              <a:ext uri="{FF2B5EF4-FFF2-40B4-BE49-F238E27FC236}">
-                <a16:creationId xmlns:a16="http://schemas.microsoft.com/office/drawing/2014/main" id="{A0B6AF14-BBBD-422C-B58D-8F1E3D612E48}"/>
-              </a:ext>
-            </a:extLst>
-          </p:cNvPr>
-          <p:cNvSpPr txBox="1"/>
-          <p:nvPr/>
-        </p:nvSpPr>
-        <p:spPr>
-          <a:xfrm>
-            <a:off x="3292636" y="3803566"/>
-            <a:ext cx="1086255" cy="923330"/>
-          </a:xfrm>
-          <a:prstGeom prst="rect">
-            <a:avLst/>
-          </a:prstGeom>
-          <a:noFill/>
-        </p:spPr>
-        <p:txBody>
-          <a:bodyPr wrap="square" rtlCol="0">
-            <a:spAutoFit/>
-          </a:bodyPr>
-          <a:lstStyle/>
-          <a:p>
-            <a:pPr algn="ctr"/>
-            <a:r>
-              <a:rPr lang="en-US" dirty="0"/>
-              <a:t>Strategy to “Adapt”</a:t>
-            </a:r>
-          </a:p>
-        </p:txBody>
-      </p:sp>
-      <p:sp>
-        <p:nvSpPr>
-          <p:cNvPr id="21" name="TextBox 20">
-            <a:extLst>
-              <a:ext uri="{FF2B5EF4-FFF2-40B4-BE49-F238E27FC236}">
-                <a16:creationId xmlns:a16="http://schemas.microsoft.com/office/drawing/2014/main" id="{3805BFE0-021E-438F-A7CB-20388D06F5B5}"/>
-              </a:ext>
-            </a:extLst>
-          </p:cNvPr>
-          <p:cNvSpPr txBox="1"/>
-          <p:nvPr/>
-        </p:nvSpPr>
-        <p:spPr>
-          <a:xfrm>
-            <a:off x="6960194" y="2664332"/>
-            <a:ext cx="2462597" cy="369332"/>
-          </a:xfrm>
-          <a:prstGeom prst="rect">
-            <a:avLst/>
-          </a:prstGeom>
-          <a:noFill/>
-        </p:spPr>
-        <p:txBody>
-          <a:bodyPr wrap="none" rtlCol="0">
-            <a:spAutoFit/>
-          </a:bodyPr>
-          <a:lstStyle/>
-          <a:p>
-            <a:r>
-              <a:rPr lang="en-US" dirty="0"/>
-              <a:t>“Approximately Correct”</a:t>
-            </a:r>
-          </a:p>
-        </p:txBody>
-      </p:sp>
-      <p:sp>
-        <p:nvSpPr>
-          <p:cNvPr id="22" name="TextBox 21">
-            <a:extLst>
-              <a:ext uri="{FF2B5EF4-FFF2-40B4-BE49-F238E27FC236}">
-                <a16:creationId xmlns:a16="http://schemas.microsoft.com/office/drawing/2014/main" id="{E8855153-B874-41A2-A0FC-D307C9D45023}"/>
-              </a:ext>
-            </a:extLst>
-          </p:cNvPr>
-          <p:cNvSpPr txBox="1"/>
-          <p:nvPr/>
-        </p:nvSpPr>
-        <p:spPr>
-          <a:xfrm>
-            <a:off x="933457" y="1731771"/>
-            <a:ext cx="2331792" cy="369332"/>
-          </a:xfrm>
-          <a:prstGeom prst="rect">
-            <a:avLst/>
-          </a:prstGeom>
-          <a:noFill/>
-        </p:spPr>
-        <p:txBody>
-          <a:bodyPr wrap="none" rtlCol="0">
-            <a:spAutoFit/>
-          </a:bodyPr>
-          <a:lstStyle/>
-          <a:p>
-            <a:r>
-              <a:rPr lang="en-US" dirty="0"/>
-              <a:t>Reliable (Training) Data</a:t>
-            </a:r>
-          </a:p>
-        </p:txBody>
-      </p:sp>
-      <p:sp>
-        <p:nvSpPr>
-          <p:cNvPr id="23" name="Rectangle 22">
-            <a:extLst>
-              <a:ext uri="{FF2B5EF4-FFF2-40B4-BE49-F238E27FC236}">
-                <a16:creationId xmlns:a16="http://schemas.microsoft.com/office/drawing/2014/main" id="{C3070BB6-A2A1-4CF3-9B4C-AC18834A7D2D}"/>
-              </a:ext>
-            </a:extLst>
-          </p:cNvPr>
-          <p:cNvSpPr/>
-          <p:nvPr/>
-        </p:nvSpPr>
-        <p:spPr>
-          <a:xfrm>
-            <a:off x="2405390" y="2145037"/>
-            <a:ext cx="382622" cy="530069"/>
-          </a:xfrm>
-          <a:prstGeom prst="rect">
-            <a:avLst/>
-          </a:prstGeom>
-        </p:spPr>
-        <p:style>
-          <a:lnRef idx="2">
-            <a:schemeClr val="accent1">
-              <a:shade val="50000"/>
-            </a:schemeClr>
-          </a:lnRef>
-          <a:fillRef idx="1">
-            <a:schemeClr val="accent1"/>
-          </a:fillRef>
-          <a:effectRef idx="0">
-            <a:schemeClr val="accent1"/>
-          </a:effectRef>
-          <a:fontRef idx="minor">
-            <a:schemeClr val="lt1"/>
-          </a:fontRef>
-        </p:style>
-        <p:txBody>
-          <a:bodyPr rtlCol="0" anchor="ctr"/>
-          <a:lstStyle/>
-          <a:p>
-            <a:pPr algn="ctr"/>
-            <a:endParaRPr lang="en-US" dirty="0"/>
-          </a:p>
-        </p:txBody>
-      </p:sp>
-      <p:sp>
-        <p:nvSpPr>
-          <p:cNvPr id="25" name="Rectangle 24">
-            <a:extLst>
-              <a:ext uri="{FF2B5EF4-FFF2-40B4-BE49-F238E27FC236}">
-                <a16:creationId xmlns:a16="http://schemas.microsoft.com/office/drawing/2014/main" id="{DC3A7859-0A44-461F-8059-A0D26389A583}"/>
-              </a:ext>
-            </a:extLst>
-          </p:cNvPr>
-          <p:cNvSpPr/>
-          <p:nvPr/>
-        </p:nvSpPr>
-        <p:spPr>
-          <a:xfrm>
-            <a:off x="4937689" y="3311685"/>
-            <a:ext cx="1673158" cy="453689"/>
-          </a:xfrm>
-          <a:prstGeom prst="rect">
-            <a:avLst/>
-          </a:prstGeom>
-        </p:spPr>
-        <p:style>
-          <a:lnRef idx="2">
-            <a:schemeClr val="accent1">
-              <a:shade val="50000"/>
-            </a:schemeClr>
-          </a:lnRef>
-          <a:fillRef idx="1">
-            <a:schemeClr val="accent1"/>
-          </a:fillRef>
-          <a:effectRef idx="0">
-            <a:schemeClr val="accent1"/>
-          </a:effectRef>
-          <a:fontRef idx="minor">
-            <a:schemeClr val="lt1"/>
-          </a:fontRef>
-        </p:style>
-        <p:txBody>
-          <a:bodyPr rtlCol="0" anchor="ctr"/>
-          <a:lstStyle/>
-          <a:p>
-            <a:pPr algn="ctr"/>
-            <a:r>
-              <a:rPr lang="en-US" dirty="0"/>
-              <a:t>Model (h)</a:t>
-            </a:r>
-          </a:p>
-        </p:txBody>
-      </p:sp>
-      <p:cxnSp>
-        <p:nvCxnSpPr>
-          <p:cNvPr id="28" name="Straight Arrow Connector 27">
-            <a:extLst>
-              <a:ext uri="{FF2B5EF4-FFF2-40B4-BE49-F238E27FC236}">
-                <a16:creationId xmlns:a16="http://schemas.microsoft.com/office/drawing/2014/main" id="{CD5A480A-DDEA-4AB0-9209-52E57A7575DA}"/>
-              </a:ext>
-            </a:extLst>
-          </p:cNvPr>
-          <p:cNvCxnSpPr>
-            <a:cxnSpLocks/>
-            <a:stCxn id="4" idx="2"/>
-            <a:endCxn id="25" idx="0"/>
-          </p:cNvCxnSpPr>
-          <p:nvPr/>
-        </p:nvCxnSpPr>
-        <p:spPr>
-          <a:xfrm>
-            <a:off x="4967590" y="2865185"/>
-            <a:ext cx="806678" cy="446500"/>
-          </a:xfrm>
-          <a:prstGeom prst="straightConnector1">
-            <a:avLst/>
-          </a:prstGeom>
-          <a:ln>
-            <a:tailEnd type="triangle"/>
-          </a:ln>
-        </p:spPr>
-        <p:style>
-          <a:lnRef idx="1">
-            <a:schemeClr val="accent1"/>
-          </a:lnRef>
-          <a:fillRef idx="0">
-            <a:schemeClr val="accent1"/>
-          </a:fillRef>
-          <a:effectRef idx="0">
-            <a:schemeClr val="accent1"/>
-          </a:effectRef>
-          <a:fontRef idx="minor">
-            <a:schemeClr val="tx1"/>
-          </a:fontRef>
-        </p:style>
-      </p:cxnSp>
-      <p:sp>
-        <p:nvSpPr>
-          <p:cNvPr id="31" name="Rectangle 30">
-            <a:extLst>
-              <a:ext uri="{FF2B5EF4-FFF2-40B4-BE49-F238E27FC236}">
-                <a16:creationId xmlns:a16="http://schemas.microsoft.com/office/drawing/2014/main" id="{52AD8928-6DD4-48A4-9265-21412B82E8C7}"/>
-              </a:ext>
-            </a:extLst>
-          </p:cNvPr>
-          <p:cNvSpPr/>
-          <p:nvPr/>
-        </p:nvSpPr>
-        <p:spPr>
-          <a:xfrm>
-            <a:off x="1298646" y="3147086"/>
-            <a:ext cx="1086255" cy="782888"/>
-          </a:xfrm>
-          <a:prstGeom prst="rect">
-            <a:avLst/>
-          </a:prstGeom>
-        </p:spPr>
-        <p:style>
-          <a:lnRef idx="2">
-            <a:schemeClr val="accent1">
-              <a:shade val="50000"/>
-            </a:schemeClr>
-          </a:lnRef>
-          <a:fillRef idx="1">
-            <a:schemeClr val="accent1"/>
-          </a:fillRef>
-          <a:effectRef idx="0">
-            <a:schemeClr val="accent1"/>
-          </a:effectRef>
-          <a:fontRef idx="minor">
-            <a:schemeClr val="lt1"/>
-          </a:fontRef>
-        </p:style>
-        <p:txBody>
-          <a:bodyPr rtlCol="0" anchor="ctr"/>
-          <a:lstStyle/>
-          <a:p>
-            <a:pPr algn="ctr"/>
-            <a:endParaRPr lang="en-US" dirty="0"/>
-          </a:p>
-        </p:txBody>
-      </p:sp>
-      <p:sp>
-        <p:nvSpPr>
-          <p:cNvPr id="32" name="TextBox 31">
-            <a:extLst>
-              <a:ext uri="{FF2B5EF4-FFF2-40B4-BE49-F238E27FC236}">
-                <a16:creationId xmlns:a16="http://schemas.microsoft.com/office/drawing/2014/main" id="{2182B921-F954-4D2B-85AD-6C0164BC40AC}"/>
-              </a:ext>
-            </a:extLst>
-          </p:cNvPr>
-          <p:cNvSpPr txBox="1"/>
-          <p:nvPr/>
-        </p:nvSpPr>
-        <p:spPr>
-          <a:xfrm>
-            <a:off x="1334004" y="2805397"/>
-            <a:ext cx="1044710" cy="369332"/>
-          </a:xfrm>
-          <a:prstGeom prst="rect">
-            <a:avLst/>
-          </a:prstGeom>
-          <a:noFill/>
-        </p:spPr>
-        <p:txBody>
-          <a:bodyPr wrap="none" rtlCol="0">
-            <a:spAutoFit/>
-          </a:bodyPr>
-          <a:lstStyle/>
-          <a:p>
-            <a:r>
-              <a:rPr lang="en-US" dirty="0"/>
-              <a:t>Test Data</a:t>
-            </a:r>
-          </a:p>
-        </p:txBody>
-      </p:sp>
-      <p:cxnSp>
-        <p:nvCxnSpPr>
-          <p:cNvPr id="33" name="Straight Arrow Connector 32">
-            <a:extLst>
-              <a:ext uri="{FF2B5EF4-FFF2-40B4-BE49-F238E27FC236}">
-                <a16:creationId xmlns:a16="http://schemas.microsoft.com/office/drawing/2014/main" id="{E0866712-6A51-495C-875B-5B8A41EB8948}"/>
-              </a:ext>
-            </a:extLst>
-          </p:cNvPr>
-          <p:cNvCxnSpPr>
-            <a:cxnSpLocks/>
-            <a:stCxn id="31" idx="3"/>
-            <a:endCxn id="25" idx="1"/>
-          </p:cNvCxnSpPr>
-          <p:nvPr/>
-        </p:nvCxnSpPr>
-        <p:spPr>
-          <a:xfrm>
-            <a:off x="2384901" y="3538530"/>
-            <a:ext cx="2552788" cy="0"/>
-          </a:xfrm>
-          <a:prstGeom prst="straightConnector1">
-            <a:avLst/>
-          </a:prstGeom>
-          <a:ln>
-            <a:tailEnd type="triangle"/>
-          </a:ln>
-        </p:spPr>
-        <p:style>
-          <a:lnRef idx="1">
-            <a:schemeClr val="accent1"/>
-          </a:lnRef>
-          <a:fillRef idx="0">
-            <a:schemeClr val="accent1"/>
-          </a:fillRef>
-          <a:effectRef idx="0">
-            <a:schemeClr val="accent1"/>
-          </a:effectRef>
-          <a:fontRef idx="minor">
-            <a:schemeClr val="tx1"/>
-          </a:fontRef>
-        </p:style>
-      </p:cxnSp>
-      <p:sp>
-        <p:nvSpPr>
-          <p:cNvPr id="39" name="Rectangle 38">
-            <a:extLst>
-              <a:ext uri="{FF2B5EF4-FFF2-40B4-BE49-F238E27FC236}">
-                <a16:creationId xmlns:a16="http://schemas.microsoft.com/office/drawing/2014/main" id="{015EC9E0-AF50-498A-A483-58B177DBC116}"/>
-              </a:ext>
-            </a:extLst>
-          </p:cNvPr>
-          <p:cNvSpPr/>
-          <p:nvPr/>
-        </p:nvSpPr>
-        <p:spPr>
-          <a:xfrm>
-            <a:off x="7936750" y="3137677"/>
-            <a:ext cx="426394" cy="782888"/>
-          </a:xfrm>
-          <a:prstGeom prst="rect">
-            <a:avLst/>
-          </a:prstGeom>
-        </p:spPr>
-        <p:style>
-          <a:lnRef idx="2">
-            <a:schemeClr val="accent1">
-              <a:shade val="50000"/>
-            </a:schemeClr>
-          </a:lnRef>
-          <a:fillRef idx="1">
-            <a:schemeClr val="accent1"/>
-          </a:fillRef>
-          <a:effectRef idx="0">
-            <a:schemeClr val="accent1"/>
-          </a:effectRef>
-          <a:fontRef idx="minor">
-            <a:schemeClr val="lt1"/>
-          </a:fontRef>
-        </p:style>
-        <p:txBody>
-          <a:bodyPr rtlCol="0" anchor="ctr"/>
-          <a:lstStyle/>
-          <a:p>
-            <a:pPr algn="ctr"/>
-            <a:endParaRPr lang="en-US" dirty="0"/>
-          </a:p>
-        </p:txBody>
-      </p:sp>
-      <p:cxnSp>
-        <p:nvCxnSpPr>
-          <p:cNvPr id="40" name="Straight Arrow Connector 39">
-            <a:extLst>
-              <a:ext uri="{FF2B5EF4-FFF2-40B4-BE49-F238E27FC236}">
-                <a16:creationId xmlns:a16="http://schemas.microsoft.com/office/drawing/2014/main" id="{11904DF7-1261-4E72-B9DC-8E90586891CF}"/>
-              </a:ext>
-            </a:extLst>
-          </p:cNvPr>
-          <p:cNvCxnSpPr>
-            <a:cxnSpLocks/>
-            <a:stCxn id="25" idx="3"/>
-            <a:endCxn id="39" idx="1"/>
-          </p:cNvCxnSpPr>
-          <p:nvPr/>
-        </p:nvCxnSpPr>
-        <p:spPr>
-          <a:xfrm flipV="1">
-            <a:off x="6610847" y="3529121"/>
-            <a:ext cx="1325903" cy="9409"/>
-          </a:xfrm>
-          <a:prstGeom prst="straightConnector1">
-            <a:avLst/>
-          </a:prstGeom>
-          <a:ln>
-            <a:tailEnd type="triangle"/>
-          </a:ln>
-        </p:spPr>
-        <p:style>
-          <a:lnRef idx="1">
-            <a:schemeClr val="accent1"/>
-          </a:lnRef>
-          <a:fillRef idx="0">
-            <a:schemeClr val="accent1"/>
-          </a:fillRef>
-          <a:effectRef idx="0">
-            <a:schemeClr val="accent1"/>
-          </a:effectRef>
-          <a:fontRef idx="minor">
-            <a:schemeClr val="tx1"/>
-          </a:fontRef>
-        </p:style>
-      </p:cxnSp>
-      <p:sp>
-        <p:nvSpPr>
-          <p:cNvPr id="51" name="Rectangle 50">
-            <a:extLst>
-              <a:ext uri="{FF2B5EF4-FFF2-40B4-BE49-F238E27FC236}">
-                <a16:creationId xmlns:a16="http://schemas.microsoft.com/office/drawing/2014/main" id="{F2F786AF-ACF8-45A1-8462-9EB977F16F9D}"/>
-              </a:ext>
-            </a:extLst>
-          </p:cNvPr>
-          <p:cNvSpPr/>
-          <p:nvPr/>
-        </p:nvSpPr>
-        <p:spPr>
-          <a:xfrm>
-            <a:off x="1298646" y="4888945"/>
-            <a:ext cx="1086255" cy="530069"/>
-          </a:xfrm>
-          <a:prstGeom prst="rect">
-            <a:avLst/>
-          </a:prstGeom>
-        </p:spPr>
-        <p:style>
-          <a:lnRef idx="2">
-            <a:schemeClr val="accent1">
-              <a:shade val="50000"/>
-            </a:schemeClr>
-          </a:lnRef>
-          <a:fillRef idx="1">
-            <a:schemeClr val="accent1"/>
-          </a:fillRef>
-          <a:effectRef idx="0">
-            <a:schemeClr val="accent1"/>
-          </a:effectRef>
-          <a:fontRef idx="minor">
-            <a:schemeClr val="lt1"/>
-          </a:fontRef>
-        </p:style>
-        <p:txBody>
-          <a:bodyPr rtlCol="0" anchor="ctr"/>
-          <a:lstStyle/>
-          <a:p>
-            <a:pPr algn="ctr"/>
-            <a:endParaRPr lang="en-US" dirty="0"/>
-          </a:p>
-        </p:txBody>
-      </p:sp>
-      <p:sp>
-        <p:nvSpPr>
-          <p:cNvPr id="52" name="TextBox 51">
-            <a:extLst>
-              <a:ext uri="{FF2B5EF4-FFF2-40B4-BE49-F238E27FC236}">
-                <a16:creationId xmlns:a16="http://schemas.microsoft.com/office/drawing/2014/main" id="{2389FC80-6D01-4E7C-97D1-30B53C02A6D7}"/>
-              </a:ext>
-            </a:extLst>
-          </p:cNvPr>
-          <p:cNvSpPr txBox="1"/>
-          <p:nvPr/>
-        </p:nvSpPr>
-        <p:spPr>
-          <a:xfrm>
-            <a:off x="927270" y="4448722"/>
-            <a:ext cx="2102435" cy="369332"/>
-          </a:xfrm>
-          <a:prstGeom prst="rect">
-            <a:avLst/>
-          </a:prstGeom>
-          <a:noFill/>
-        </p:spPr>
-        <p:txBody>
-          <a:bodyPr wrap="none" rtlCol="0">
-            <a:spAutoFit/>
-          </a:bodyPr>
-          <a:lstStyle/>
-          <a:p>
-            <a:r>
-              <a:rPr lang="en-US" dirty="0"/>
-              <a:t>Noisy (training) Data</a:t>
-            </a:r>
-          </a:p>
-        </p:txBody>
-      </p:sp>
-      <p:sp>
-        <p:nvSpPr>
-          <p:cNvPr id="53" name="Rectangle 52">
-            <a:extLst>
-              <a:ext uri="{FF2B5EF4-FFF2-40B4-BE49-F238E27FC236}">
-                <a16:creationId xmlns:a16="http://schemas.microsoft.com/office/drawing/2014/main" id="{5C7FF278-AFF6-475A-9C1F-E50FD7D97FFE}"/>
-              </a:ext>
-            </a:extLst>
-          </p:cNvPr>
-          <p:cNvSpPr/>
-          <p:nvPr/>
-        </p:nvSpPr>
-        <p:spPr>
-          <a:xfrm>
-            <a:off x="2384901" y="4888945"/>
-            <a:ext cx="382622" cy="530069"/>
-          </a:xfrm>
-          <a:prstGeom prst="rect">
-            <a:avLst/>
-          </a:prstGeom>
-        </p:spPr>
-        <p:style>
-          <a:lnRef idx="2">
-            <a:schemeClr val="accent1">
-              <a:shade val="50000"/>
-            </a:schemeClr>
-          </a:lnRef>
-          <a:fillRef idx="1">
-            <a:schemeClr val="accent1"/>
-          </a:fillRef>
-          <a:effectRef idx="0">
-            <a:schemeClr val="accent1"/>
-          </a:effectRef>
-          <a:fontRef idx="minor">
-            <a:schemeClr val="lt1"/>
-          </a:fontRef>
-        </p:style>
-        <p:txBody>
-          <a:bodyPr rtlCol="0" anchor="ctr"/>
-          <a:lstStyle/>
-          <a:p>
-            <a:pPr algn="ctr"/>
-            <a:endParaRPr lang="en-US" dirty="0"/>
-          </a:p>
-        </p:txBody>
-      </p:sp>
-      <p:sp>
-        <p:nvSpPr>
-          <p:cNvPr id="54" name="Rectangle 53">
-            <a:extLst>
-              <a:ext uri="{FF2B5EF4-FFF2-40B4-BE49-F238E27FC236}">
-                <a16:creationId xmlns:a16="http://schemas.microsoft.com/office/drawing/2014/main" id="{F0F9F497-0C6F-4667-9A58-D0C33750A530}"/>
-              </a:ext>
-            </a:extLst>
-          </p:cNvPr>
-          <p:cNvSpPr/>
-          <p:nvPr/>
-        </p:nvSpPr>
-        <p:spPr>
-          <a:xfrm>
-            <a:off x="1292459" y="5864037"/>
-            <a:ext cx="1086255" cy="782888"/>
-          </a:xfrm>
-          <a:prstGeom prst="rect">
-            <a:avLst/>
-          </a:prstGeom>
-        </p:spPr>
-        <p:style>
-          <a:lnRef idx="2">
-            <a:schemeClr val="accent1">
-              <a:shade val="50000"/>
-            </a:schemeClr>
-          </a:lnRef>
-          <a:fillRef idx="1">
-            <a:schemeClr val="accent1"/>
-          </a:fillRef>
-          <a:effectRef idx="0">
-            <a:schemeClr val="accent1"/>
-          </a:effectRef>
-          <a:fontRef idx="minor">
-            <a:schemeClr val="lt1"/>
-          </a:fontRef>
-        </p:style>
-        <p:txBody>
-          <a:bodyPr rtlCol="0" anchor="ctr"/>
-          <a:lstStyle/>
-          <a:p>
-            <a:pPr algn="ctr"/>
-            <a:endParaRPr lang="en-US" dirty="0"/>
-          </a:p>
-        </p:txBody>
-      </p:sp>
-      <p:sp>
-        <p:nvSpPr>
-          <p:cNvPr id="55" name="TextBox 54">
-            <a:extLst>
-              <a:ext uri="{FF2B5EF4-FFF2-40B4-BE49-F238E27FC236}">
-                <a16:creationId xmlns:a16="http://schemas.microsoft.com/office/drawing/2014/main" id="{1A962D03-125B-4C6D-A766-7B3EF2D96498}"/>
-              </a:ext>
-            </a:extLst>
-          </p:cNvPr>
-          <p:cNvSpPr txBox="1"/>
-          <p:nvPr/>
-        </p:nvSpPr>
-        <p:spPr>
-          <a:xfrm>
-            <a:off x="1327817" y="5522348"/>
-            <a:ext cx="1044710" cy="369332"/>
-          </a:xfrm>
-          <a:prstGeom prst="rect">
-            <a:avLst/>
-          </a:prstGeom>
-          <a:noFill/>
-        </p:spPr>
-        <p:txBody>
-          <a:bodyPr wrap="none" rtlCol="0">
-            <a:spAutoFit/>
-          </a:bodyPr>
-          <a:lstStyle/>
-          <a:p>
-            <a:r>
-              <a:rPr lang="en-US" dirty="0"/>
-              <a:t>Test Data</a:t>
-            </a:r>
-          </a:p>
-        </p:txBody>
-      </p:sp>
-      <p:cxnSp>
-        <p:nvCxnSpPr>
-          <p:cNvPr id="56" name="Straight Arrow Connector 55">
-            <a:extLst>
-              <a:ext uri="{FF2B5EF4-FFF2-40B4-BE49-F238E27FC236}">
-                <a16:creationId xmlns:a16="http://schemas.microsoft.com/office/drawing/2014/main" id="{4C0C1569-4458-4F85-8A14-B5D723194A6A}"/>
-              </a:ext>
-            </a:extLst>
-          </p:cNvPr>
-          <p:cNvCxnSpPr>
-            <a:cxnSpLocks/>
-            <a:stCxn id="53" idx="3"/>
-            <a:endCxn id="5" idx="1"/>
-          </p:cNvCxnSpPr>
-          <p:nvPr/>
-        </p:nvCxnSpPr>
-        <p:spPr>
-          <a:xfrm flipV="1">
-            <a:off x="2767523" y="5146863"/>
-            <a:ext cx="1363488" cy="7117"/>
-          </a:xfrm>
-          <a:prstGeom prst="straightConnector1">
-            <a:avLst/>
-          </a:prstGeom>
-          <a:ln>
-            <a:tailEnd type="triangle"/>
-          </a:ln>
-        </p:spPr>
-        <p:style>
-          <a:lnRef idx="1">
-            <a:schemeClr val="accent1"/>
-          </a:lnRef>
-          <a:fillRef idx="0">
-            <a:schemeClr val="accent1"/>
-          </a:fillRef>
-          <a:effectRef idx="0">
-            <a:schemeClr val="accent1"/>
-          </a:effectRef>
-          <a:fontRef idx="minor">
-            <a:schemeClr val="tx1"/>
-          </a:fontRef>
-        </p:style>
-      </p:cxnSp>
+              <a:t>Thank You</a:t>
+            </a:r>
+          </a:p>
+        </p:txBody>
+      </p:sp>
     </p:spTree>
     <p:extLst>
       <p:ext uri="{BB962C8B-B14F-4D97-AF65-F5344CB8AC3E}">
-        <p14:creationId xmlns:p14="http://schemas.microsoft.com/office/powerpoint/2010/main" val="1444652137"/>
+        <p14:creationId xmlns:p14="http://schemas.microsoft.com/office/powerpoint/2010/main" val="207985638"/>
       </p:ext>
     </p:extLst>
   </p:cSld>
@@ -6352,6 +5422,1022 @@
       </p:grpSpPr>
       <p:sp>
         <p:nvSpPr>
+          <p:cNvPr id="15" name="Arrow: Down 14">
+            <a:extLst>
+              <a:ext uri="{FF2B5EF4-FFF2-40B4-BE49-F238E27FC236}">
+                <a16:creationId xmlns:a16="http://schemas.microsoft.com/office/drawing/2014/main" id="{FC335F69-1B39-4C70-AF8F-AD9312ED886C}"/>
+              </a:ext>
+            </a:extLst>
+          </p:cNvPr>
+          <p:cNvSpPr/>
+          <p:nvPr/>
+        </p:nvSpPr>
+        <p:spPr>
+          <a:xfrm>
+            <a:off x="4193154" y="2990062"/>
+            <a:ext cx="544748" cy="1601385"/>
+          </a:xfrm>
+          <a:prstGeom prst="downArrow">
+            <a:avLst/>
+          </a:prstGeom>
+          <a:solidFill>
+            <a:schemeClr val="bg2"/>
+          </a:solidFill>
+        </p:spPr>
+        <p:style>
+          <a:lnRef idx="2">
+            <a:schemeClr val="accent1">
+              <a:shade val="50000"/>
+            </a:schemeClr>
+          </a:lnRef>
+          <a:fillRef idx="1">
+            <a:schemeClr val="accent1"/>
+          </a:fillRef>
+          <a:effectRef idx="0">
+            <a:schemeClr val="accent1"/>
+          </a:effectRef>
+          <a:fontRef idx="minor">
+            <a:schemeClr val="lt1"/>
+          </a:fontRef>
+        </p:style>
+        <p:txBody>
+          <a:bodyPr rtlCol="0" anchor="ctr"/>
+          <a:lstStyle/>
+          <a:p>
+            <a:pPr algn="ctr"/>
+            <a:endParaRPr lang="en-US"/>
+          </a:p>
+        </p:txBody>
+      </p:sp>
+      <p:sp>
+        <p:nvSpPr>
+          <p:cNvPr id="2" name="Title 1">
+            <a:extLst>
+              <a:ext uri="{FF2B5EF4-FFF2-40B4-BE49-F238E27FC236}">
+                <a16:creationId xmlns:a16="http://schemas.microsoft.com/office/drawing/2014/main" id="{5F41BC48-48E0-419D-A36A-F78E88F3347C}"/>
+              </a:ext>
+            </a:extLst>
+          </p:cNvPr>
+          <p:cNvSpPr>
+            <a:spLocks noGrp="1"/>
+          </p:cNvSpPr>
+          <p:nvPr>
+            <p:ph type="title"/>
+          </p:nvPr>
+        </p:nvSpPr>
+        <p:spPr/>
+        <p:txBody>
+          <a:bodyPr>
+            <a:normAutofit/>
+          </a:bodyPr>
+          <a:lstStyle/>
+          <a:p>
+            <a:r>
+              <a:rPr lang="en-US" dirty="0" err="1"/>
+              <a:t>Angluin</a:t>
+            </a:r>
+            <a:r>
+              <a:rPr lang="en-US" dirty="0"/>
+              <a:t>, Laird (1988)</a:t>
+            </a:r>
+            <a:br>
+              <a:rPr lang="en-US" dirty="0"/>
+            </a:br>
+            <a:r>
+              <a:rPr lang="en-US" sz="2700" dirty="0"/>
+              <a:t>How to cope with incorrect training examples?</a:t>
+            </a:r>
+            <a:endParaRPr lang="en-US" dirty="0"/>
+          </a:p>
+        </p:txBody>
+      </p:sp>
+      <p:sp>
+        <p:nvSpPr>
+          <p:cNvPr id="4" name="Rectangle 3">
+            <a:extLst>
+              <a:ext uri="{FF2B5EF4-FFF2-40B4-BE49-F238E27FC236}">
+                <a16:creationId xmlns:a16="http://schemas.microsoft.com/office/drawing/2014/main" id="{86227216-69C7-4E5C-9D5D-7C66B5F684AE}"/>
+              </a:ext>
+            </a:extLst>
+          </p:cNvPr>
+          <p:cNvSpPr/>
+          <p:nvPr/>
+        </p:nvSpPr>
+        <p:spPr>
+          <a:xfrm>
+            <a:off x="4131011" y="1945481"/>
+            <a:ext cx="1673158" cy="919704"/>
+          </a:xfrm>
+          <a:prstGeom prst="rect">
+            <a:avLst/>
+          </a:prstGeom>
+        </p:spPr>
+        <p:style>
+          <a:lnRef idx="2">
+            <a:schemeClr val="accent1">
+              <a:shade val="50000"/>
+            </a:schemeClr>
+          </a:lnRef>
+          <a:fillRef idx="1">
+            <a:schemeClr val="accent1"/>
+          </a:fillRef>
+          <a:effectRef idx="0">
+            <a:schemeClr val="accent1"/>
+          </a:effectRef>
+          <a:fontRef idx="minor">
+            <a:schemeClr val="lt1"/>
+          </a:fontRef>
+        </p:style>
+        <p:txBody>
+          <a:bodyPr rtlCol="0" anchor="ctr"/>
+          <a:lstStyle/>
+          <a:p>
+            <a:pPr algn="ctr"/>
+            <a:r>
+              <a:rPr lang="en-US" dirty="0"/>
+              <a:t>Algorithm</a:t>
+            </a:r>
+          </a:p>
+        </p:txBody>
+      </p:sp>
+      <p:sp>
+        <p:nvSpPr>
+          <p:cNvPr id="5" name="Rectangle 4">
+            <a:extLst>
+              <a:ext uri="{FF2B5EF4-FFF2-40B4-BE49-F238E27FC236}">
+                <a16:creationId xmlns:a16="http://schemas.microsoft.com/office/drawing/2014/main" id="{C754DD90-76B5-4F14-B287-1D1AB669E17C}"/>
+              </a:ext>
+            </a:extLst>
+          </p:cNvPr>
+          <p:cNvSpPr/>
+          <p:nvPr/>
+        </p:nvSpPr>
+        <p:spPr>
+          <a:xfrm>
+            <a:off x="4131011" y="4689663"/>
+            <a:ext cx="1673158" cy="914400"/>
+          </a:xfrm>
+          <a:prstGeom prst="rect">
+            <a:avLst/>
+          </a:prstGeom>
+        </p:spPr>
+        <p:style>
+          <a:lnRef idx="2">
+            <a:schemeClr val="accent1">
+              <a:shade val="50000"/>
+            </a:schemeClr>
+          </a:lnRef>
+          <a:fillRef idx="1">
+            <a:schemeClr val="accent1"/>
+          </a:fillRef>
+          <a:effectRef idx="0">
+            <a:schemeClr val="accent1"/>
+          </a:effectRef>
+          <a:fontRef idx="minor">
+            <a:schemeClr val="lt1"/>
+          </a:fontRef>
+        </p:style>
+        <p:txBody>
+          <a:bodyPr rtlCol="0" anchor="ctr"/>
+          <a:lstStyle/>
+          <a:p>
+            <a:pPr algn="ctr"/>
+            <a:r>
+              <a:rPr lang="en-US" dirty="0"/>
+              <a:t>Algorithm’</a:t>
+            </a:r>
+          </a:p>
+        </p:txBody>
+      </p:sp>
+      <p:sp>
+        <p:nvSpPr>
+          <p:cNvPr id="6" name="Rectangle 5">
+            <a:extLst>
+              <a:ext uri="{FF2B5EF4-FFF2-40B4-BE49-F238E27FC236}">
+                <a16:creationId xmlns:a16="http://schemas.microsoft.com/office/drawing/2014/main" id="{152343D8-2479-478B-9B53-363A682A5FC7}"/>
+              </a:ext>
+            </a:extLst>
+          </p:cNvPr>
+          <p:cNvSpPr/>
+          <p:nvPr/>
+        </p:nvSpPr>
+        <p:spPr>
+          <a:xfrm>
+            <a:off x="1313232" y="2145037"/>
+            <a:ext cx="1086255" cy="530069"/>
+          </a:xfrm>
+          <a:prstGeom prst="rect">
+            <a:avLst/>
+          </a:prstGeom>
+        </p:spPr>
+        <p:style>
+          <a:lnRef idx="2">
+            <a:schemeClr val="accent1">
+              <a:shade val="50000"/>
+            </a:schemeClr>
+          </a:lnRef>
+          <a:fillRef idx="1">
+            <a:schemeClr val="accent1"/>
+          </a:fillRef>
+          <a:effectRef idx="0">
+            <a:schemeClr val="accent1"/>
+          </a:effectRef>
+          <a:fontRef idx="minor">
+            <a:schemeClr val="lt1"/>
+          </a:fontRef>
+        </p:style>
+        <p:txBody>
+          <a:bodyPr rtlCol="0" anchor="ctr"/>
+          <a:lstStyle/>
+          <a:p>
+            <a:pPr algn="ctr"/>
+            <a:endParaRPr lang="en-US" dirty="0"/>
+          </a:p>
+        </p:txBody>
+      </p:sp>
+      <p:cxnSp>
+        <p:nvCxnSpPr>
+          <p:cNvPr id="11" name="Straight Arrow Connector 10">
+            <a:extLst>
+              <a:ext uri="{FF2B5EF4-FFF2-40B4-BE49-F238E27FC236}">
+                <a16:creationId xmlns:a16="http://schemas.microsoft.com/office/drawing/2014/main" id="{80BD6D1C-D080-4260-A06B-07DD1C0B775F}"/>
+              </a:ext>
+            </a:extLst>
+          </p:cNvPr>
+          <p:cNvCxnSpPr>
+            <a:cxnSpLocks/>
+            <a:stCxn id="23" idx="3"/>
+            <a:endCxn id="4" idx="1"/>
+          </p:cNvCxnSpPr>
+          <p:nvPr/>
+        </p:nvCxnSpPr>
+        <p:spPr>
+          <a:xfrm flipV="1">
+            <a:off x="2788012" y="2405333"/>
+            <a:ext cx="1342999" cy="4739"/>
+          </a:xfrm>
+          <a:prstGeom prst="straightConnector1">
+            <a:avLst/>
+          </a:prstGeom>
+          <a:ln>
+            <a:tailEnd type="triangle"/>
+          </a:ln>
+        </p:spPr>
+        <p:style>
+          <a:lnRef idx="1">
+            <a:schemeClr val="accent1"/>
+          </a:lnRef>
+          <a:fillRef idx="0">
+            <a:schemeClr val="accent1"/>
+          </a:fillRef>
+          <a:effectRef idx="0">
+            <a:schemeClr val="accent1"/>
+          </a:effectRef>
+          <a:fontRef idx="minor">
+            <a:schemeClr val="tx1"/>
+          </a:fontRef>
+        </p:style>
+      </p:cxnSp>
+      <p:sp>
+        <p:nvSpPr>
+          <p:cNvPr id="14" name="TextBox 13">
+            <a:extLst>
+              <a:ext uri="{FF2B5EF4-FFF2-40B4-BE49-F238E27FC236}">
+                <a16:creationId xmlns:a16="http://schemas.microsoft.com/office/drawing/2014/main" id="{A0B6AF14-BBBD-422C-B58D-8F1E3D612E48}"/>
+              </a:ext>
+            </a:extLst>
+          </p:cNvPr>
+          <p:cNvSpPr txBox="1"/>
+          <p:nvPr/>
+        </p:nvSpPr>
+        <p:spPr>
+          <a:xfrm>
+            <a:off x="3292636" y="3803566"/>
+            <a:ext cx="1086255" cy="923330"/>
+          </a:xfrm>
+          <a:prstGeom prst="rect">
+            <a:avLst/>
+          </a:prstGeom>
+          <a:noFill/>
+        </p:spPr>
+        <p:txBody>
+          <a:bodyPr wrap="square" rtlCol="0">
+            <a:spAutoFit/>
+          </a:bodyPr>
+          <a:lstStyle/>
+          <a:p>
+            <a:pPr algn="ctr"/>
+            <a:r>
+              <a:rPr lang="en-US" dirty="0"/>
+              <a:t>Strategy to “Adapt”</a:t>
+            </a:r>
+          </a:p>
+        </p:txBody>
+      </p:sp>
+      <p:sp>
+        <p:nvSpPr>
+          <p:cNvPr id="21" name="TextBox 20">
+            <a:extLst>
+              <a:ext uri="{FF2B5EF4-FFF2-40B4-BE49-F238E27FC236}">
+                <a16:creationId xmlns:a16="http://schemas.microsoft.com/office/drawing/2014/main" id="{3805BFE0-021E-438F-A7CB-20388D06F5B5}"/>
+              </a:ext>
+            </a:extLst>
+          </p:cNvPr>
+          <p:cNvSpPr txBox="1"/>
+          <p:nvPr/>
+        </p:nvSpPr>
+        <p:spPr>
+          <a:xfrm>
+            <a:off x="6960194" y="2664332"/>
+            <a:ext cx="2462597" cy="369332"/>
+          </a:xfrm>
+          <a:prstGeom prst="rect">
+            <a:avLst/>
+          </a:prstGeom>
+          <a:noFill/>
+        </p:spPr>
+        <p:txBody>
+          <a:bodyPr wrap="none" rtlCol="0">
+            <a:spAutoFit/>
+          </a:bodyPr>
+          <a:lstStyle/>
+          <a:p>
+            <a:r>
+              <a:rPr lang="en-US" dirty="0"/>
+              <a:t>“Approximately Correct”</a:t>
+            </a:r>
+          </a:p>
+        </p:txBody>
+      </p:sp>
+      <p:sp>
+        <p:nvSpPr>
+          <p:cNvPr id="22" name="TextBox 21">
+            <a:extLst>
+              <a:ext uri="{FF2B5EF4-FFF2-40B4-BE49-F238E27FC236}">
+                <a16:creationId xmlns:a16="http://schemas.microsoft.com/office/drawing/2014/main" id="{E8855153-B874-41A2-A0FC-D307C9D45023}"/>
+              </a:ext>
+            </a:extLst>
+          </p:cNvPr>
+          <p:cNvSpPr txBox="1"/>
+          <p:nvPr/>
+        </p:nvSpPr>
+        <p:spPr>
+          <a:xfrm>
+            <a:off x="933457" y="1731771"/>
+            <a:ext cx="2331792" cy="369332"/>
+          </a:xfrm>
+          <a:prstGeom prst="rect">
+            <a:avLst/>
+          </a:prstGeom>
+          <a:noFill/>
+        </p:spPr>
+        <p:txBody>
+          <a:bodyPr wrap="none" rtlCol="0">
+            <a:spAutoFit/>
+          </a:bodyPr>
+          <a:lstStyle/>
+          <a:p>
+            <a:r>
+              <a:rPr lang="en-US" dirty="0"/>
+              <a:t>Reliable (Training) Data</a:t>
+            </a:r>
+          </a:p>
+        </p:txBody>
+      </p:sp>
+      <p:sp>
+        <p:nvSpPr>
+          <p:cNvPr id="23" name="Rectangle 22">
+            <a:extLst>
+              <a:ext uri="{FF2B5EF4-FFF2-40B4-BE49-F238E27FC236}">
+                <a16:creationId xmlns:a16="http://schemas.microsoft.com/office/drawing/2014/main" id="{C3070BB6-A2A1-4CF3-9B4C-AC18834A7D2D}"/>
+              </a:ext>
+            </a:extLst>
+          </p:cNvPr>
+          <p:cNvSpPr/>
+          <p:nvPr/>
+        </p:nvSpPr>
+        <p:spPr>
+          <a:xfrm>
+            <a:off x="2405390" y="2145037"/>
+            <a:ext cx="382622" cy="530069"/>
+          </a:xfrm>
+          <a:prstGeom prst="rect">
+            <a:avLst/>
+          </a:prstGeom>
+        </p:spPr>
+        <p:style>
+          <a:lnRef idx="2">
+            <a:schemeClr val="accent1">
+              <a:shade val="50000"/>
+            </a:schemeClr>
+          </a:lnRef>
+          <a:fillRef idx="1">
+            <a:schemeClr val="accent1"/>
+          </a:fillRef>
+          <a:effectRef idx="0">
+            <a:schemeClr val="accent1"/>
+          </a:effectRef>
+          <a:fontRef idx="minor">
+            <a:schemeClr val="lt1"/>
+          </a:fontRef>
+        </p:style>
+        <p:txBody>
+          <a:bodyPr rtlCol="0" anchor="ctr"/>
+          <a:lstStyle/>
+          <a:p>
+            <a:pPr algn="ctr"/>
+            <a:endParaRPr lang="en-US" dirty="0"/>
+          </a:p>
+        </p:txBody>
+      </p:sp>
+      <p:sp>
+        <p:nvSpPr>
+          <p:cNvPr id="25" name="Rectangle 24">
+            <a:extLst>
+              <a:ext uri="{FF2B5EF4-FFF2-40B4-BE49-F238E27FC236}">
+                <a16:creationId xmlns:a16="http://schemas.microsoft.com/office/drawing/2014/main" id="{DC3A7859-0A44-461F-8059-A0D26389A583}"/>
+              </a:ext>
+            </a:extLst>
+          </p:cNvPr>
+          <p:cNvSpPr/>
+          <p:nvPr/>
+        </p:nvSpPr>
+        <p:spPr>
+          <a:xfrm>
+            <a:off x="4937689" y="3311685"/>
+            <a:ext cx="1673158" cy="453689"/>
+          </a:xfrm>
+          <a:prstGeom prst="rect">
+            <a:avLst/>
+          </a:prstGeom>
+        </p:spPr>
+        <p:style>
+          <a:lnRef idx="2">
+            <a:schemeClr val="accent1">
+              <a:shade val="50000"/>
+            </a:schemeClr>
+          </a:lnRef>
+          <a:fillRef idx="1">
+            <a:schemeClr val="accent1"/>
+          </a:fillRef>
+          <a:effectRef idx="0">
+            <a:schemeClr val="accent1"/>
+          </a:effectRef>
+          <a:fontRef idx="minor">
+            <a:schemeClr val="lt1"/>
+          </a:fontRef>
+        </p:style>
+        <p:txBody>
+          <a:bodyPr rtlCol="0" anchor="ctr"/>
+          <a:lstStyle/>
+          <a:p>
+            <a:pPr algn="ctr"/>
+            <a:r>
+              <a:rPr lang="en-US" dirty="0"/>
+              <a:t>Model (h)</a:t>
+            </a:r>
+          </a:p>
+        </p:txBody>
+      </p:sp>
+      <p:cxnSp>
+        <p:nvCxnSpPr>
+          <p:cNvPr id="28" name="Straight Arrow Connector 27">
+            <a:extLst>
+              <a:ext uri="{FF2B5EF4-FFF2-40B4-BE49-F238E27FC236}">
+                <a16:creationId xmlns:a16="http://schemas.microsoft.com/office/drawing/2014/main" id="{CD5A480A-DDEA-4AB0-9209-52E57A7575DA}"/>
+              </a:ext>
+            </a:extLst>
+          </p:cNvPr>
+          <p:cNvCxnSpPr>
+            <a:cxnSpLocks/>
+            <a:stCxn id="4" idx="2"/>
+            <a:endCxn id="25" idx="0"/>
+          </p:cNvCxnSpPr>
+          <p:nvPr/>
+        </p:nvCxnSpPr>
+        <p:spPr>
+          <a:xfrm>
+            <a:off x="4967590" y="2865185"/>
+            <a:ext cx="806678" cy="446500"/>
+          </a:xfrm>
+          <a:prstGeom prst="straightConnector1">
+            <a:avLst/>
+          </a:prstGeom>
+          <a:ln>
+            <a:tailEnd type="triangle"/>
+          </a:ln>
+        </p:spPr>
+        <p:style>
+          <a:lnRef idx="1">
+            <a:schemeClr val="accent1"/>
+          </a:lnRef>
+          <a:fillRef idx="0">
+            <a:schemeClr val="accent1"/>
+          </a:fillRef>
+          <a:effectRef idx="0">
+            <a:schemeClr val="accent1"/>
+          </a:effectRef>
+          <a:fontRef idx="minor">
+            <a:schemeClr val="tx1"/>
+          </a:fontRef>
+        </p:style>
+      </p:cxnSp>
+      <p:sp>
+        <p:nvSpPr>
+          <p:cNvPr id="31" name="Rectangle 30">
+            <a:extLst>
+              <a:ext uri="{FF2B5EF4-FFF2-40B4-BE49-F238E27FC236}">
+                <a16:creationId xmlns:a16="http://schemas.microsoft.com/office/drawing/2014/main" id="{52AD8928-6DD4-48A4-9265-21412B82E8C7}"/>
+              </a:ext>
+            </a:extLst>
+          </p:cNvPr>
+          <p:cNvSpPr/>
+          <p:nvPr/>
+        </p:nvSpPr>
+        <p:spPr>
+          <a:xfrm>
+            <a:off x="1298646" y="3147086"/>
+            <a:ext cx="1086255" cy="782888"/>
+          </a:xfrm>
+          <a:prstGeom prst="rect">
+            <a:avLst/>
+          </a:prstGeom>
+        </p:spPr>
+        <p:style>
+          <a:lnRef idx="2">
+            <a:schemeClr val="accent1">
+              <a:shade val="50000"/>
+            </a:schemeClr>
+          </a:lnRef>
+          <a:fillRef idx="1">
+            <a:schemeClr val="accent1"/>
+          </a:fillRef>
+          <a:effectRef idx="0">
+            <a:schemeClr val="accent1"/>
+          </a:effectRef>
+          <a:fontRef idx="minor">
+            <a:schemeClr val="lt1"/>
+          </a:fontRef>
+        </p:style>
+        <p:txBody>
+          <a:bodyPr rtlCol="0" anchor="ctr"/>
+          <a:lstStyle/>
+          <a:p>
+            <a:pPr algn="ctr"/>
+            <a:endParaRPr lang="en-US" dirty="0"/>
+          </a:p>
+        </p:txBody>
+      </p:sp>
+      <p:sp>
+        <p:nvSpPr>
+          <p:cNvPr id="32" name="TextBox 31">
+            <a:extLst>
+              <a:ext uri="{FF2B5EF4-FFF2-40B4-BE49-F238E27FC236}">
+                <a16:creationId xmlns:a16="http://schemas.microsoft.com/office/drawing/2014/main" id="{2182B921-F954-4D2B-85AD-6C0164BC40AC}"/>
+              </a:ext>
+            </a:extLst>
+          </p:cNvPr>
+          <p:cNvSpPr txBox="1"/>
+          <p:nvPr/>
+        </p:nvSpPr>
+        <p:spPr>
+          <a:xfrm>
+            <a:off x="1334004" y="2805397"/>
+            <a:ext cx="1044710" cy="369332"/>
+          </a:xfrm>
+          <a:prstGeom prst="rect">
+            <a:avLst/>
+          </a:prstGeom>
+          <a:noFill/>
+        </p:spPr>
+        <p:txBody>
+          <a:bodyPr wrap="none" rtlCol="0">
+            <a:spAutoFit/>
+          </a:bodyPr>
+          <a:lstStyle/>
+          <a:p>
+            <a:r>
+              <a:rPr lang="en-US" dirty="0"/>
+              <a:t>Test Data</a:t>
+            </a:r>
+          </a:p>
+        </p:txBody>
+      </p:sp>
+      <p:cxnSp>
+        <p:nvCxnSpPr>
+          <p:cNvPr id="33" name="Straight Arrow Connector 32">
+            <a:extLst>
+              <a:ext uri="{FF2B5EF4-FFF2-40B4-BE49-F238E27FC236}">
+                <a16:creationId xmlns:a16="http://schemas.microsoft.com/office/drawing/2014/main" id="{E0866712-6A51-495C-875B-5B8A41EB8948}"/>
+              </a:ext>
+            </a:extLst>
+          </p:cNvPr>
+          <p:cNvCxnSpPr>
+            <a:cxnSpLocks/>
+            <a:stCxn id="31" idx="3"/>
+            <a:endCxn id="25" idx="1"/>
+          </p:cNvCxnSpPr>
+          <p:nvPr/>
+        </p:nvCxnSpPr>
+        <p:spPr>
+          <a:xfrm>
+            <a:off x="2384901" y="3538530"/>
+            <a:ext cx="2552788" cy="0"/>
+          </a:xfrm>
+          <a:prstGeom prst="straightConnector1">
+            <a:avLst/>
+          </a:prstGeom>
+          <a:ln>
+            <a:tailEnd type="triangle"/>
+          </a:ln>
+        </p:spPr>
+        <p:style>
+          <a:lnRef idx="1">
+            <a:schemeClr val="accent1"/>
+          </a:lnRef>
+          <a:fillRef idx="0">
+            <a:schemeClr val="accent1"/>
+          </a:fillRef>
+          <a:effectRef idx="0">
+            <a:schemeClr val="accent1"/>
+          </a:effectRef>
+          <a:fontRef idx="minor">
+            <a:schemeClr val="tx1"/>
+          </a:fontRef>
+        </p:style>
+      </p:cxnSp>
+      <p:sp>
+        <p:nvSpPr>
+          <p:cNvPr id="39" name="Rectangle 38">
+            <a:extLst>
+              <a:ext uri="{FF2B5EF4-FFF2-40B4-BE49-F238E27FC236}">
+                <a16:creationId xmlns:a16="http://schemas.microsoft.com/office/drawing/2014/main" id="{015EC9E0-AF50-498A-A483-58B177DBC116}"/>
+              </a:ext>
+            </a:extLst>
+          </p:cNvPr>
+          <p:cNvSpPr/>
+          <p:nvPr/>
+        </p:nvSpPr>
+        <p:spPr>
+          <a:xfrm>
+            <a:off x="7936750" y="3137677"/>
+            <a:ext cx="426394" cy="782888"/>
+          </a:xfrm>
+          <a:prstGeom prst="rect">
+            <a:avLst/>
+          </a:prstGeom>
+        </p:spPr>
+        <p:style>
+          <a:lnRef idx="2">
+            <a:schemeClr val="accent1">
+              <a:shade val="50000"/>
+            </a:schemeClr>
+          </a:lnRef>
+          <a:fillRef idx="1">
+            <a:schemeClr val="accent1"/>
+          </a:fillRef>
+          <a:effectRef idx="0">
+            <a:schemeClr val="accent1"/>
+          </a:effectRef>
+          <a:fontRef idx="minor">
+            <a:schemeClr val="lt1"/>
+          </a:fontRef>
+        </p:style>
+        <p:txBody>
+          <a:bodyPr rtlCol="0" anchor="ctr"/>
+          <a:lstStyle/>
+          <a:p>
+            <a:pPr algn="ctr"/>
+            <a:endParaRPr lang="en-US" dirty="0"/>
+          </a:p>
+        </p:txBody>
+      </p:sp>
+      <p:cxnSp>
+        <p:nvCxnSpPr>
+          <p:cNvPr id="40" name="Straight Arrow Connector 39">
+            <a:extLst>
+              <a:ext uri="{FF2B5EF4-FFF2-40B4-BE49-F238E27FC236}">
+                <a16:creationId xmlns:a16="http://schemas.microsoft.com/office/drawing/2014/main" id="{11904DF7-1261-4E72-B9DC-8E90586891CF}"/>
+              </a:ext>
+            </a:extLst>
+          </p:cNvPr>
+          <p:cNvCxnSpPr>
+            <a:cxnSpLocks/>
+            <a:stCxn id="25" idx="3"/>
+            <a:endCxn id="39" idx="1"/>
+          </p:cNvCxnSpPr>
+          <p:nvPr/>
+        </p:nvCxnSpPr>
+        <p:spPr>
+          <a:xfrm flipV="1">
+            <a:off x="6610847" y="3529121"/>
+            <a:ext cx="1325903" cy="9409"/>
+          </a:xfrm>
+          <a:prstGeom prst="straightConnector1">
+            <a:avLst/>
+          </a:prstGeom>
+          <a:ln>
+            <a:tailEnd type="triangle"/>
+          </a:ln>
+        </p:spPr>
+        <p:style>
+          <a:lnRef idx="1">
+            <a:schemeClr val="accent1"/>
+          </a:lnRef>
+          <a:fillRef idx="0">
+            <a:schemeClr val="accent1"/>
+          </a:fillRef>
+          <a:effectRef idx="0">
+            <a:schemeClr val="accent1"/>
+          </a:effectRef>
+          <a:fontRef idx="minor">
+            <a:schemeClr val="tx1"/>
+          </a:fontRef>
+        </p:style>
+      </p:cxnSp>
+      <p:sp>
+        <p:nvSpPr>
+          <p:cNvPr id="51" name="Rectangle 50">
+            <a:extLst>
+              <a:ext uri="{FF2B5EF4-FFF2-40B4-BE49-F238E27FC236}">
+                <a16:creationId xmlns:a16="http://schemas.microsoft.com/office/drawing/2014/main" id="{F2F786AF-ACF8-45A1-8462-9EB977F16F9D}"/>
+              </a:ext>
+            </a:extLst>
+          </p:cNvPr>
+          <p:cNvSpPr/>
+          <p:nvPr/>
+        </p:nvSpPr>
+        <p:spPr>
+          <a:xfrm>
+            <a:off x="1298646" y="4888945"/>
+            <a:ext cx="1086255" cy="530069"/>
+          </a:xfrm>
+          <a:prstGeom prst="rect">
+            <a:avLst/>
+          </a:prstGeom>
+        </p:spPr>
+        <p:style>
+          <a:lnRef idx="2">
+            <a:schemeClr val="accent1">
+              <a:shade val="50000"/>
+            </a:schemeClr>
+          </a:lnRef>
+          <a:fillRef idx="1">
+            <a:schemeClr val="accent1"/>
+          </a:fillRef>
+          <a:effectRef idx="0">
+            <a:schemeClr val="accent1"/>
+          </a:effectRef>
+          <a:fontRef idx="minor">
+            <a:schemeClr val="lt1"/>
+          </a:fontRef>
+        </p:style>
+        <p:txBody>
+          <a:bodyPr rtlCol="0" anchor="ctr"/>
+          <a:lstStyle/>
+          <a:p>
+            <a:pPr algn="ctr"/>
+            <a:endParaRPr lang="en-US" dirty="0"/>
+          </a:p>
+        </p:txBody>
+      </p:sp>
+      <p:sp>
+        <p:nvSpPr>
+          <p:cNvPr id="52" name="TextBox 51">
+            <a:extLst>
+              <a:ext uri="{FF2B5EF4-FFF2-40B4-BE49-F238E27FC236}">
+                <a16:creationId xmlns:a16="http://schemas.microsoft.com/office/drawing/2014/main" id="{2389FC80-6D01-4E7C-97D1-30B53C02A6D7}"/>
+              </a:ext>
+            </a:extLst>
+          </p:cNvPr>
+          <p:cNvSpPr txBox="1"/>
+          <p:nvPr/>
+        </p:nvSpPr>
+        <p:spPr>
+          <a:xfrm>
+            <a:off x="927270" y="4448722"/>
+            <a:ext cx="2102435" cy="369332"/>
+          </a:xfrm>
+          <a:prstGeom prst="rect">
+            <a:avLst/>
+          </a:prstGeom>
+          <a:noFill/>
+        </p:spPr>
+        <p:txBody>
+          <a:bodyPr wrap="none" rtlCol="0">
+            <a:spAutoFit/>
+          </a:bodyPr>
+          <a:lstStyle/>
+          <a:p>
+            <a:r>
+              <a:rPr lang="en-US" dirty="0"/>
+              <a:t>Noisy (training) Data</a:t>
+            </a:r>
+          </a:p>
+        </p:txBody>
+      </p:sp>
+      <p:sp>
+        <p:nvSpPr>
+          <p:cNvPr id="53" name="Rectangle 52">
+            <a:extLst>
+              <a:ext uri="{FF2B5EF4-FFF2-40B4-BE49-F238E27FC236}">
+                <a16:creationId xmlns:a16="http://schemas.microsoft.com/office/drawing/2014/main" id="{5C7FF278-AFF6-475A-9C1F-E50FD7D97FFE}"/>
+              </a:ext>
+            </a:extLst>
+          </p:cNvPr>
+          <p:cNvSpPr/>
+          <p:nvPr/>
+        </p:nvSpPr>
+        <p:spPr>
+          <a:xfrm>
+            <a:off x="2384901" y="4888945"/>
+            <a:ext cx="382622" cy="530069"/>
+          </a:xfrm>
+          <a:prstGeom prst="rect">
+            <a:avLst/>
+          </a:prstGeom>
+        </p:spPr>
+        <p:style>
+          <a:lnRef idx="2">
+            <a:schemeClr val="accent1">
+              <a:shade val="50000"/>
+            </a:schemeClr>
+          </a:lnRef>
+          <a:fillRef idx="1">
+            <a:schemeClr val="accent1"/>
+          </a:fillRef>
+          <a:effectRef idx="0">
+            <a:schemeClr val="accent1"/>
+          </a:effectRef>
+          <a:fontRef idx="minor">
+            <a:schemeClr val="lt1"/>
+          </a:fontRef>
+        </p:style>
+        <p:txBody>
+          <a:bodyPr rtlCol="0" anchor="ctr"/>
+          <a:lstStyle/>
+          <a:p>
+            <a:pPr algn="ctr"/>
+            <a:endParaRPr lang="en-US" dirty="0"/>
+          </a:p>
+        </p:txBody>
+      </p:sp>
+      <p:sp>
+        <p:nvSpPr>
+          <p:cNvPr id="54" name="Rectangle 53">
+            <a:extLst>
+              <a:ext uri="{FF2B5EF4-FFF2-40B4-BE49-F238E27FC236}">
+                <a16:creationId xmlns:a16="http://schemas.microsoft.com/office/drawing/2014/main" id="{F0F9F497-0C6F-4667-9A58-D0C33750A530}"/>
+              </a:ext>
+            </a:extLst>
+          </p:cNvPr>
+          <p:cNvSpPr/>
+          <p:nvPr/>
+        </p:nvSpPr>
+        <p:spPr>
+          <a:xfrm>
+            <a:off x="1292459" y="5864037"/>
+            <a:ext cx="1086255" cy="782888"/>
+          </a:xfrm>
+          <a:prstGeom prst="rect">
+            <a:avLst/>
+          </a:prstGeom>
+        </p:spPr>
+        <p:style>
+          <a:lnRef idx="2">
+            <a:schemeClr val="accent1">
+              <a:shade val="50000"/>
+            </a:schemeClr>
+          </a:lnRef>
+          <a:fillRef idx="1">
+            <a:schemeClr val="accent1"/>
+          </a:fillRef>
+          <a:effectRef idx="0">
+            <a:schemeClr val="accent1"/>
+          </a:effectRef>
+          <a:fontRef idx="minor">
+            <a:schemeClr val="lt1"/>
+          </a:fontRef>
+        </p:style>
+        <p:txBody>
+          <a:bodyPr rtlCol="0" anchor="ctr"/>
+          <a:lstStyle/>
+          <a:p>
+            <a:pPr algn="ctr"/>
+            <a:endParaRPr lang="en-US" dirty="0"/>
+          </a:p>
+        </p:txBody>
+      </p:sp>
+      <p:sp>
+        <p:nvSpPr>
+          <p:cNvPr id="55" name="TextBox 54">
+            <a:extLst>
+              <a:ext uri="{FF2B5EF4-FFF2-40B4-BE49-F238E27FC236}">
+                <a16:creationId xmlns:a16="http://schemas.microsoft.com/office/drawing/2014/main" id="{1A962D03-125B-4C6D-A766-7B3EF2D96498}"/>
+              </a:ext>
+            </a:extLst>
+          </p:cNvPr>
+          <p:cNvSpPr txBox="1"/>
+          <p:nvPr/>
+        </p:nvSpPr>
+        <p:spPr>
+          <a:xfrm>
+            <a:off x="1327817" y="5522348"/>
+            <a:ext cx="1044710" cy="369332"/>
+          </a:xfrm>
+          <a:prstGeom prst="rect">
+            <a:avLst/>
+          </a:prstGeom>
+          <a:noFill/>
+        </p:spPr>
+        <p:txBody>
+          <a:bodyPr wrap="none" rtlCol="0">
+            <a:spAutoFit/>
+          </a:bodyPr>
+          <a:lstStyle/>
+          <a:p>
+            <a:r>
+              <a:rPr lang="en-US" dirty="0"/>
+              <a:t>Test Data</a:t>
+            </a:r>
+          </a:p>
+        </p:txBody>
+      </p:sp>
+      <p:cxnSp>
+        <p:nvCxnSpPr>
+          <p:cNvPr id="56" name="Straight Arrow Connector 55">
+            <a:extLst>
+              <a:ext uri="{FF2B5EF4-FFF2-40B4-BE49-F238E27FC236}">
+                <a16:creationId xmlns:a16="http://schemas.microsoft.com/office/drawing/2014/main" id="{4C0C1569-4458-4F85-8A14-B5D723194A6A}"/>
+              </a:ext>
+            </a:extLst>
+          </p:cNvPr>
+          <p:cNvCxnSpPr>
+            <a:cxnSpLocks/>
+            <a:stCxn id="53" idx="3"/>
+            <a:endCxn id="5" idx="1"/>
+          </p:cNvCxnSpPr>
+          <p:nvPr/>
+        </p:nvCxnSpPr>
+        <p:spPr>
+          <a:xfrm flipV="1">
+            <a:off x="2767523" y="5146863"/>
+            <a:ext cx="1363488" cy="7117"/>
+          </a:xfrm>
+          <a:prstGeom prst="straightConnector1">
+            <a:avLst/>
+          </a:prstGeom>
+          <a:ln>
+            <a:tailEnd type="triangle"/>
+          </a:ln>
+        </p:spPr>
+        <p:style>
+          <a:lnRef idx="1">
+            <a:schemeClr val="accent1"/>
+          </a:lnRef>
+          <a:fillRef idx="0">
+            <a:schemeClr val="accent1"/>
+          </a:fillRef>
+          <a:effectRef idx="0">
+            <a:schemeClr val="accent1"/>
+          </a:effectRef>
+          <a:fontRef idx="minor">
+            <a:schemeClr val="tx1"/>
+          </a:fontRef>
+        </p:style>
+      </p:cxnSp>
+    </p:spTree>
+    <p:extLst>
+      <p:ext uri="{BB962C8B-B14F-4D97-AF65-F5344CB8AC3E}">
+        <p14:creationId xmlns:p14="http://schemas.microsoft.com/office/powerpoint/2010/main" val="1444652137"/>
+      </p:ext>
+    </p:extLst>
+  </p:cSld>
+  <p:clrMapOvr>
+    <a:masterClrMapping/>
+  </p:clrMapOvr>
+</p:sld>
+</file>
+
+<file path=ppt/slides/slide21.xml><?xml version="1.0" encoding="utf-8"?>
+<p:sld xmlns:a="http://schemas.openxmlformats.org/drawingml/2006/main" xmlns:r="http://schemas.openxmlformats.org/officeDocument/2006/relationships" xmlns:p="http://schemas.openxmlformats.org/presentationml/2006/main">
+  <p:cSld>
+    <p:spTree>
+      <p:nvGrpSpPr>
+        <p:cNvPr id="1" name=""/>
+        <p:cNvGrpSpPr/>
+        <p:nvPr/>
+      </p:nvGrpSpPr>
+      <p:grpSpPr>
+        <a:xfrm>
+          <a:off x="0" y="0"/>
+          <a:ext cx="0" cy="0"/>
+          <a:chOff x="0" y="0"/>
+          <a:chExt cx="0" cy="0"/>
+        </a:xfrm>
+      </p:grpSpPr>
+      <p:sp>
+        <p:nvSpPr>
           <p:cNvPr id="2" name="Title 1">
             <a:extLst>
               <a:ext uri="{FF2B5EF4-FFF2-40B4-BE49-F238E27FC236}">
@@ -6458,8 +6544,8 @@
           <a:chExt cx="0" cy="0"/>
         </a:xfrm>
       </p:grpSpPr>
-      <mc:AlternateContent xmlns:mc="http://schemas.openxmlformats.org/markup-compatibility/2006" xmlns:a14="http://schemas.microsoft.com/office/drawing/2010/main">
-        <mc:Choice Requires="a14">
+      <mc:AlternateContent xmlns:mc="http://schemas.openxmlformats.org/markup-compatibility/2006">
+        <mc:Choice xmlns:a14="http://schemas.microsoft.com/office/drawing/2010/main" Requires="a14">
           <p:sp>
             <p:nvSpPr>
               <p:cNvPr id="2" name="Title 1">
@@ -6536,16 +6622,12 @@
                 <a:br>
                   <a:rPr lang="en-US" dirty="0"/>
                 </a:br>
-                <a:r>
-                  <a:rPr lang="en-US" sz="3100" dirty="0"/>
-                  <a:t>The first Semi-Supervised Algorithm</a:t>
-                </a:r>
                 <a:endParaRPr lang="en-US" dirty="0"/>
               </a:p>
             </p:txBody>
           </p:sp>
         </mc:Choice>
-        <mc:Fallback xmlns="">
+        <mc:Fallback>
           <p:sp>
             <p:nvSpPr>
               <p:cNvPr id="2" name="Title 1">
@@ -6566,7 +6648,7 @@
               <a:blipFill>
                 <a:blip r:embed="rId2"/>
                 <a:stretch>
-                  <a:fillRect l="-1449" b="-5530"/>
+                  <a:fillRect/>
                 </a:stretch>
               </a:blipFill>
             </p:spPr>
@@ -6692,6 +6774,40 @@
           </a:p>
           <a:p>
             <a:endParaRPr lang="en-US" dirty="0"/>
+          </a:p>
+        </p:txBody>
+      </p:sp>
+      <p:sp>
+        <p:nvSpPr>
+          <p:cNvPr id="4" name="Rectangle 3">
+            <a:extLst>
+              <a:ext uri="{FF2B5EF4-FFF2-40B4-BE49-F238E27FC236}">
+                <a16:creationId xmlns:a16="http://schemas.microsoft.com/office/drawing/2014/main" id="{59D96DF3-D0AD-477D-8317-F536D2BF746D}"/>
+              </a:ext>
+            </a:extLst>
+          </p:cNvPr>
+          <p:cNvSpPr/>
+          <p:nvPr/>
+        </p:nvSpPr>
+        <p:spPr>
+          <a:xfrm>
+            <a:off x="838200" y="1253323"/>
+            <a:ext cx="3548151" cy="369332"/>
+          </a:xfrm>
+          <a:prstGeom prst="rect">
+            <a:avLst/>
+          </a:prstGeom>
+        </p:spPr>
+        <p:txBody>
+          <a:bodyPr wrap="none">
+            <a:spAutoFit/>
+          </a:bodyPr>
+          <a:lstStyle/>
+          <a:p>
+            <a:r>
+              <a:rPr lang="en-US" dirty="0"/>
+              <a:t>The first Semi-Supervised Algorithm</a:t>
+            </a:r>
           </a:p>
         </p:txBody>
       </p:sp>

--- a/Tri_Training_Zhou_Li_2005.pptx
+++ b/Tri_Training_Zhou_Li_2005.pptx
@@ -3379,8 +3379,8 @@
           </a:p>
         </p:txBody>
       </p:sp>
-      <mc:AlternateContent xmlns:mc="http://schemas.openxmlformats.org/markup-compatibility/2006">
-        <mc:Choice xmlns:a14="http://schemas.microsoft.com/office/drawing/2010/main" Requires="a14">
+      <mc:AlternateContent xmlns:mc="http://schemas.openxmlformats.org/markup-compatibility/2006" xmlns:a14="http://schemas.microsoft.com/office/drawing/2010/main">
+        <mc:Choice Requires="a14">
           <p:sp>
             <p:nvSpPr>
               <p:cNvPr id="3" name="Subtitle 2">
@@ -3409,6 +3409,7 @@
               </a:bodyPr>
               <a:lstStyle/>
               <a:p>
+                <a:pPr/>
                 <a14:m>
                   <m:oMathPara xmlns:m="http://schemas.openxmlformats.org/officeDocument/2006/math">
                     <m:oMathParaPr>
@@ -3512,7 +3513,7 @@
             </p:txBody>
           </p:sp>
         </mc:Choice>
-        <mc:Fallback>
+        <mc:Fallback xmlns="">
           <p:sp>
             <p:nvSpPr>
               <p:cNvPr id="3" name="Subtitle 2">
@@ -5320,7 +5321,7 @@
             <a:pPr lvl="1"/>
             <a:r>
               <a:rPr lang="en-US" dirty="0"/>
-              <a:t>Amazon wake-word - will be presenting paper at </a:t>
+              <a:t>Amazon wake-word - presented paper at </a:t>
             </a:r>
             <a:r>
               <a:rPr lang="en-US" i="1" dirty="0"/>
@@ -5336,57 +5337,39 @@
               <a:buNone/>
             </a:pPr>
             <a:r>
-              <a:rPr lang="en-US" sz="1900" dirty="0"/>
-              <a:t>Semi-Supervised Acoustic Event Detection Based on Tri-Training, Bowen Shi, Ming Sun, </a:t>
-            </a:r>
-            <a:r>
-              <a:rPr lang="en-US" sz="1900" dirty="0" err="1">
-                <a:hlinkClick r:id="rId2"/>
-              </a:rPr>
+              <a:rPr lang="en-US" sz="1600" dirty="0"/>
+              <a:t>Shi, Bowen &amp; Sun, Ming &amp; Kao, </a:t>
+            </a:r>
+            <a:r>
+              <a:rPr lang="en-US" sz="1600" dirty="0" err="1"/>
               <a:t>Chieh</a:t>
             </a:r>
             <a:r>
-              <a:rPr lang="en-US" sz="1900" dirty="0">
-                <a:hlinkClick r:id="rId2"/>
-              </a:rPr>
-              <a:t>-Chi Kao</a:t>
-            </a:r>
-            <a:r>
-              <a:rPr lang="en-US" sz="1900" dirty="0"/>
-              <a:t>, </a:t>
-            </a:r>
-            <a:r>
-              <a:rPr lang="en-US" sz="1900" dirty="0">
-                <a:hlinkClick r:id="rId3"/>
-              </a:rPr>
-              <a:t>Viktor </a:t>
-            </a:r>
-            <a:r>
-              <a:rPr lang="en-US" sz="1900" dirty="0" err="1">
-                <a:hlinkClick r:id="rId3"/>
-              </a:rPr>
+              <a:rPr lang="en-US" sz="1600" dirty="0"/>
+              <a:t>-Chi &amp; </a:t>
+            </a:r>
+            <a:r>
+              <a:rPr lang="en-US" sz="1600" dirty="0" err="1"/>
               <a:t>Rozgic</a:t>
             </a:r>
             <a:r>
-              <a:rPr lang="en-US" sz="1900" dirty="0"/>
-              <a:t>, </a:t>
-            </a:r>
-            <a:r>
-              <a:rPr lang="en-US" sz="1900" dirty="0">
-                <a:hlinkClick r:id="rId4"/>
-              </a:rPr>
-              <a:t>Spyros </a:t>
-            </a:r>
-            <a:r>
-              <a:rPr lang="en-US" sz="1900" dirty="0" err="1">
-                <a:hlinkClick r:id="rId4"/>
-              </a:rPr>
+              <a:rPr lang="en-US" sz="1600" dirty="0"/>
+              <a:t>, Viktor &amp; </a:t>
+            </a:r>
+            <a:r>
+              <a:rPr lang="en-US" sz="1600" dirty="0" err="1"/>
               <a:t>Matsoukas</a:t>
             </a:r>
             <a:r>
-              <a:rPr lang="en-US" sz="1900" dirty="0"/>
-              <a:t>, Chao Wang</a:t>
-            </a:r>
+              <a:rPr lang="en-US" sz="1600" dirty="0"/>
+              <a:t>, Spyros &amp; Wang, Chao. (2019). Semi-supervised Acoustic Event Detection based on tri-training</a:t>
+            </a:r>
+          </a:p>
+          <a:p>
+            <a:pPr marL="457200" lvl="1" indent="0">
+              <a:buNone/>
+            </a:pPr>
+            <a:endParaRPr lang="en-US" sz="1900" dirty="0"/>
           </a:p>
         </p:txBody>
       </p:sp>
@@ -6544,8 +6527,8 @@
           <a:chExt cx="0" cy="0"/>
         </a:xfrm>
       </p:grpSpPr>
-      <mc:AlternateContent xmlns:mc="http://schemas.openxmlformats.org/markup-compatibility/2006">
-        <mc:Choice xmlns:a14="http://schemas.microsoft.com/office/drawing/2010/main" Requires="a14">
+      <mc:AlternateContent xmlns:mc="http://schemas.openxmlformats.org/markup-compatibility/2006" xmlns:a14="http://schemas.microsoft.com/office/drawing/2010/main">
+        <mc:Choice Requires="a14">
           <p:sp>
             <p:nvSpPr>
               <p:cNvPr id="2" name="Title 1">
@@ -6627,7 +6610,7 @@
             </p:txBody>
           </p:sp>
         </mc:Choice>
-        <mc:Fallback>
+        <mc:Fallback xmlns="">
           <p:sp>
             <p:nvSpPr>
               <p:cNvPr id="2" name="Title 1">
